--- a/slides/top_down_parsing.pptx
+++ b/slides/top_down_parsing.pptx
@@ -268,7 +268,7 @@
           <a:p>
             <a:fld id="{912166FD-9A85-48B8-B5C8-1A087ED81368}" type="datetimeFigureOut">
               <a:rPr lang="en-US" smtClean="0"/>
-              <a:t>10/27/2021</a:t>
+              <a:t>10/28/2021</a:t>
             </a:fld>
             <a:endParaRPr lang="en-US"/>
           </a:p>
@@ -2106,7 +2106,7 @@
           <a:p>
             <a:fld id="{0E5CD31E-43F3-40B0-B003-1CA31CA895B5}" type="datetimeFigureOut">
               <a:rPr lang="en-US" smtClean="0"/>
-              <a:t>10/27/2021</a:t>
+              <a:t>10/28/2021</a:t>
             </a:fld>
             <a:endParaRPr lang="en-US"/>
           </a:p>
@@ -2319,7 +2319,7 @@
           <a:p>
             <a:fld id="{0E5CD31E-43F3-40B0-B003-1CA31CA895B5}" type="datetimeFigureOut">
               <a:rPr lang="en-US" smtClean="0"/>
-              <a:t>10/27/2021</a:t>
+              <a:t>10/28/2021</a:t>
             </a:fld>
             <a:endParaRPr lang="en-US"/>
           </a:p>
@@ -2575,7 +2575,7 @@
           <a:p>
             <a:fld id="{0E5CD31E-43F3-40B0-B003-1CA31CA895B5}" type="datetimeFigureOut">
               <a:rPr lang="en-US" smtClean="0"/>
-              <a:t>10/27/2021</a:t>
+              <a:t>10/28/2021</a:t>
             </a:fld>
             <a:endParaRPr lang="en-US"/>
           </a:p>
@@ -2754,7 +2754,7 @@
           <a:p>
             <a:fld id="{0E5CD31E-43F3-40B0-B003-1CA31CA895B5}" type="datetimeFigureOut">
               <a:rPr lang="en-US" smtClean="0"/>
-              <a:t>10/27/2021</a:t>
+              <a:t>10/28/2021</a:t>
             </a:fld>
             <a:endParaRPr lang="en-US"/>
           </a:p>
@@ -3097,7 +3097,7 @@
           <a:p>
             <a:fld id="{0E5CD31E-43F3-40B0-B003-1CA31CA895B5}" type="datetimeFigureOut">
               <a:rPr lang="en-US" smtClean="0"/>
-              <a:t>10/27/2021</a:t>
+              <a:t>10/28/2021</a:t>
             </a:fld>
             <a:endParaRPr lang="en-US"/>
           </a:p>
@@ -3377,7 +3377,7 @@
           <a:p>
             <a:fld id="{0E5CD31E-43F3-40B0-B003-1CA31CA895B5}" type="datetimeFigureOut">
               <a:rPr lang="en-US" smtClean="0"/>
-              <a:t>10/27/2021</a:t>
+              <a:t>10/28/2021</a:t>
             </a:fld>
             <a:endParaRPr lang="en-US"/>
           </a:p>
@@ -3761,7 +3761,7 @@
           <a:p>
             <a:fld id="{0E5CD31E-43F3-40B0-B003-1CA31CA895B5}" type="datetimeFigureOut">
               <a:rPr lang="en-US" smtClean="0"/>
-              <a:t>10/27/2021</a:t>
+              <a:t>10/28/2021</a:t>
             </a:fld>
             <a:endParaRPr lang="en-US"/>
           </a:p>
@@ -3884,7 +3884,7 @@
           <a:p>
             <a:fld id="{0E5CD31E-43F3-40B0-B003-1CA31CA895B5}" type="datetimeFigureOut">
               <a:rPr lang="en-US" smtClean="0"/>
-              <a:t>10/27/2021</a:t>
+              <a:t>10/28/2021</a:t>
             </a:fld>
             <a:endParaRPr lang="en-US"/>
           </a:p>
@@ -4055,7 +4055,7 @@
           <a:p>
             <a:fld id="{0E5CD31E-43F3-40B0-B003-1CA31CA895B5}" type="datetimeFigureOut">
               <a:rPr lang="en-US" smtClean="0"/>
-              <a:t>10/27/2021</a:t>
+              <a:t>10/28/2021</a:t>
             </a:fld>
             <a:endParaRPr lang="en-US"/>
           </a:p>
@@ -4414,7 +4414,7 @@
           <a:p>
             <a:fld id="{0E5CD31E-43F3-40B0-B003-1CA31CA895B5}" type="datetimeFigureOut">
               <a:rPr lang="en-US" smtClean="0"/>
-              <a:t>10/27/2021</a:t>
+              <a:t>10/28/2021</a:t>
             </a:fld>
             <a:endParaRPr lang="en-US"/>
           </a:p>
@@ -4801,7 +4801,7 @@
           <a:p>
             <a:fld id="{0E5CD31E-43F3-40B0-B003-1CA31CA895B5}" type="datetimeFigureOut">
               <a:rPr lang="en-US" smtClean="0"/>
-              <a:t>10/27/2021</a:t>
+              <a:t>10/28/2021</a:t>
             </a:fld>
             <a:endParaRPr lang="en-US"/>
           </a:p>
@@ -5088,7 +5088,7 @@
           <a:p>
             <a:fld id="{0E5CD31E-43F3-40B0-B003-1CA31CA895B5}" type="datetimeFigureOut">
               <a:rPr lang="en-US" smtClean="0"/>
-              <a:t>10/27/2021</a:t>
+              <a:t>10/28/2021</a:t>
             </a:fld>
             <a:endParaRPr lang="en-US"/>
           </a:p>
@@ -7387,13 +7387,6 @@
               </a:rPr>
               <a:t> j = 1;</a:t>
             </a:r>
-            <a:endParaRPr lang="en-US" sz="2400" b="1" dirty="0">
-              <a:solidFill>
-                <a:schemeClr val="tx1"/>
-              </a:solidFill>
-              <a:latin typeface="Courier New" panose="02070309020205020404" pitchFamily="49" charset="0"/>
-              <a:cs typeface="Courier New" panose="02070309020205020404" pitchFamily="49" charset="0"/>
-            </a:endParaRPr>
           </a:p>
           <a:p>
             <a:r>
@@ -7688,13 +7681,6 @@
               </a:rPr>
               <a:t> j = 1;</a:t>
             </a:r>
-            <a:endParaRPr lang="en-US" sz="2400" b="1" dirty="0">
-              <a:solidFill>
-                <a:schemeClr val="tx1"/>
-              </a:solidFill>
-              <a:latin typeface="Courier New" panose="02070309020205020404" pitchFamily="49" charset="0"/>
-              <a:cs typeface="Courier New" panose="02070309020205020404" pitchFamily="49" charset="0"/>
-            </a:endParaRPr>
           </a:p>
           <a:p>
             <a:r>
@@ -7868,19 +7854,7 @@
               <a:rPr lang="en-US" sz="2800" dirty="0" smtClean="0">
                 <a:latin typeface="+mj-lt"/>
               </a:rPr>
-              <a:t>8, (1), (((</a:t>
-            </a:r>
-            <a:r>
-              <a:rPr lang="en-US" sz="2800" dirty="0" smtClean="0">
-                <a:latin typeface="+mj-lt"/>
-              </a:rPr>
-              <a:t>0))), </a:t>
-            </a:r>
-            <a:r>
-              <a:rPr lang="en-US" sz="2800" dirty="0" smtClean="0">
-                <a:latin typeface="+mj-lt"/>
-              </a:rPr>
-              <a:t>…</a:t>
+              <a:t>8, (1), (((0))), …</a:t>
             </a:r>
           </a:p>
           <a:p>
@@ -8014,19 +7988,7 @@
               <a:rPr lang="en-US" sz="2800" dirty="0" smtClean="0">
                 <a:latin typeface="+mj-lt"/>
               </a:rPr>
-              <a:t>8, (1), (((</a:t>
-            </a:r>
-            <a:r>
-              <a:rPr lang="en-US" sz="2800" dirty="0" smtClean="0">
-                <a:latin typeface="+mj-lt"/>
-              </a:rPr>
-              <a:t>0))), </a:t>
-            </a:r>
-            <a:r>
-              <a:rPr lang="en-US" sz="2800" dirty="0" smtClean="0">
-                <a:latin typeface="+mj-lt"/>
-              </a:rPr>
-              <a:t>…</a:t>
+              <a:t>8, (1), (((0))), …</a:t>
             </a:r>
           </a:p>
           <a:p>
@@ -8244,27 +8206,7 @@
                 <a:latin typeface="Courier New" panose="02070309020205020404" pitchFamily="49" charset="0"/>
                 <a:cs typeface="Courier New" panose="02070309020205020404" pitchFamily="49" charset="0"/>
               </a:rPr>
-              <a:t>if ((</a:t>
-            </a:r>
-            <a:r>
-              <a:rPr lang="en-US" sz="2400" b="1" dirty="0" smtClean="0">
-                <a:solidFill>
-                  <a:schemeClr val="tx1"/>
-                </a:solidFill>
-                <a:latin typeface="Courier New" panose="02070309020205020404" pitchFamily="49" charset="0"/>
-                <a:cs typeface="Courier New" panose="02070309020205020404" pitchFamily="49" charset="0"/>
-              </a:rPr>
-              <a:t>8</a:t>
-            </a:r>
-            <a:r>
-              <a:rPr lang="en-US" sz="2400" b="1" dirty="0" smtClean="0">
-                <a:solidFill>
-                  <a:schemeClr val="tx1"/>
-                </a:solidFill>
-                <a:latin typeface="Courier New" panose="02070309020205020404" pitchFamily="49" charset="0"/>
-                <a:cs typeface="Courier New" panose="02070309020205020404" pitchFamily="49" charset="0"/>
-              </a:rPr>
-              <a:t>)) {</a:t>
+              <a:t>if ((8)) {</a:t>
             </a:r>
           </a:p>
           <a:p>
@@ -9881,8 +9823,8 @@
           </a:p>
         </p:txBody>
       </p:sp>
-      <mc:AlternateContent xmlns:mc="http://schemas.openxmlformats.org/markup-compatibility/2006">
-        <mc:Choice xmlns:a14="http://schemas.microsoft.com/office/drawing/2010/main" Requires="a14">
+      <mc:AlternateContent xmlns:mc="http://schemas.openxmlformats.org/markup-compatibility/2006" xmlns:a14="http://schemas.microsoft.com/office/drawing/2010/main">
+        <mc:Choice Requires="a14">
           <p:sp>
             <p:nvSpPr>
               <p:cNvPr id="5" name="TextBox 4"/>
@@ -9998,7 +9940,7 @@
             </p:txBody>
           </p:sp>
         </mc:Choice>
-        <mc:Fallback>
+        <mc:Fallback xmlns="">
           <p:sp>
             <p:nvSpPr>
               <p:cNvPr id="5" name="TextBox 4"/>
@@ -10313,12 +10255,6 @@
               </a:rPr>
               <a:t>Yes</a:t>
             </a:r>
-            <a:endParaRPr lang="en-US" sz="2800" b="1" dirty="0" smtClean="0">
-              <a:solidFill>
-                <a:srgbClr val="00B050"/>
-              </a:solidFill>
-              <a:latin typeface="+mj-lt"/>
-            </a:endParaRPr>
           </a:p>
         </p:txBody>
       </p:sp>
@@ -10864,27 +10800,7 @@
                 <a:latin typeface="Courier New" panose="02070309020205020404" pitchFamily="49" charset="0"/>
                 <a:cs typeface="Courier New" panose="02070309020205020404" pitchFamily="49" charset="0"/>
               </a:rPr>
-              <a:t>if ((</a:t>
-            </a:r>
-            <a:r>
-              <a:rPr lang="en-US" sz="2400" b="1" dirty="0" smtClean="0">
-                <a:solidFill>
-                  <a:schemeClr val="tx1"/>
-                </a:solidFill>
-                <a:latin typeface="Courier New" panose="02070309020205020404" pitchFamily="49" charset="0"/>
-                <a:cs typeface="Courier New" panose="02070309020205020404" pitchFamily="49" charset="0"/>
-              </a:rPr>
-              <a:t>8</a:t>
-            </a:r>
-            <a:r>
-              <a:rPr lang="en-US" sz="2400" b="1" dirty="0" smtClean="0">
-                <a:solidFill>
-                  <a:schemeClr val="tx1"/>
-                </a:solidFill>
-                <a:latin typeface="Courier New" panose="02070309020205020404" pitchFamily="49" charset="0"/>
-                <a:cs typeface="Courier New" panose="02070309020205020404" pitchFamily="49" charset="0"/>
-              </a:rPr>
-              <a:t>)) {</a:t>
+              <a:t>if ((8)) {</a:t>
             </a:r>
           </a:p>
           <a:p>
@@ -11197,8 +11113,8 @@
           </a:p>
         </p:txBody>
       </p:sp>
-      <mc:AlternateContent xmlns:mc="http://schemas.openxmlformats.org/markup-compatibility/2006">
-        <mc:Choice xmlns:a14="http://schemas.microsoft.com/office/drawing/2010/main" Requires="a14">
+      <mc:AlternateContent xmlns:mc="http://schemas.openxmlformats.org/markup-compatibility/2006" xmlns:a14="http://schemas.microsoft.com/office/drawing/2010/main">
+        <mc:Choice Requires="a14">
           <p:sp>
             <p:nvSpPr>
               <p:cNvPr id="5" name="TextBox 4"/>
@@ -11332,7 +11248,7 @@
             </p:txBody>
           </p:sp>
         </mc:Choice>
-        <mc:Fallback>
+        <mc:Fallback xmlns="">
           <p:sp>
             <p:nvSpPr>
               <p:cNvPr id="5" name="TextBox 4"/>
@@ -11515,46 +11431,31 @@
                 <a:latin typeface="Courier New" panose="02070309020205020404" pitchFamily="49" charset="0"/>
                 <a:cs typeface="Courier New" panose="02070309020205020404" pitchFamily="49" charset="0"/>
               </a:rPr>
-              <a:t>  case </a:t>
-            </a:r>
+              <a:t>  case N:</a:t>
+            </a:r>
+          </a:p>
+          <a:p>
             <a:r>
               <a:rPr lang="en-US" sz="2200" dirty="0" smtClean="0">
                 <a:latin typeface="Courier New" panose="02070309020205020404" pitchFamily="49" charset="0"/>
                 <a:cs typeface="Courier New" panose="02070309020205020404" pitchFamily="49" charset="0"/>
               </a:rPr>
-              <a:t>N:</a:t>
-            </a:r>
-            <a:endParaRPr lang="en-US" sz="2200" dirty="0" smtClean="0">
-              <a:latin typeface="Courier New" panose="02070309020205020404" pitchFamily="49" charset="0"/>
-              <a:cs typeface="Courier New" panose="02070309020205020404" pitchFamily="49" charset="0"/>
-            </a:endParaRPr>
-          </a:p>
-          <a:p>
+              <a:t>    </a:t>
+            </a:r>
+            <a:r>
+              <a:rPr lang="en-US" sz="2200" b="1" dirty="0" err="1" smtClean="0">
+                <a:latin typeface="Courier New" panose="02070309020205020404" pitchFamily="49" charset="0"/>
+                <a:cs typeface="Courier New" panose="02070309020205020404" pitchFamily="49" charset="0"/>
+              </a:rPr>
+              <a:t>parse_token</a:t>
+            </a:r>
             <a:r>
               <a:rPr lang="en-US" sz="2200" dirty="0" smtClean="0">
                 <a:latin typeface="Courier New" panose="02070309020205020404" pitchFamily="49" charset="0"/>
                 <a:cs typeface="Courier New" panose="02070309020205020404" pitchFamily="49" charset="0"/>
               </a:rPr>
-              <a:t>    </a:t>
-            </a:r>
-            <a:r>
-              <a:rPr lang="en-US" sz="2200" b="1" dirty="0" err="1" smtClean="0">
-                <a:latin typeface="Courier New" panose="02070309020205020404" pitchFamily="49" charset="0"/>
-                <a:cs typeface="Courier New" panose="02070309020205020404" pitchFamily="49" charset="0"/>
-              </a:rPr>
-              <a:t>parse_token</a:t>
-            </a:r>
-            <a:r>
-              <a:rPr lang="en-US" sz="2200" dirty="0" smtClean="0">
-                <a:latin typeface="Courier New" panose="02070309020205020404" pitchFamily="49" charset="0"/>
-                <a:cs typeface="Courier New" panose="02070309020205020404" pitchFamily="49" charset="0"/>
-              </a:rPr>
               <a:t>(N);</a:t>
             </a:r>
-            <a:endParaRPr lang="en-US" sz="2200" dirty="0" smtClean="0">
-              <a:latin typeface="Courier New" panose="02070309020205020404" pitchFamily="49" charset="0"/>
-              <a:cs typeface="Courier New" panose="02070309020205020404" pitchFamily="49" charset="0"/>
-            </a:endParaRPr>
           </a:p>
           <a:p>
             <a:r>
@@ -11759,7 +11660,7 @@
         <p:spPr>
           <a:xfrm>
             <a:off x="5885143" y="1540776"/>
-            <a:ext cx="5661234" cy="2462213"/>
+            <a:ext cx="5661234" cy="4832092"/>
           </a:xfrm>
           <a:prstGeom prst="rect">
             <a:avLst/>
@@ -11923,6 +11824,108 @@
               <a:t>  }</a:t>
             </a:r>
             <a:endParaRPr lang="en-US" sz="2200" dirty="0">
+              <a:latin typeface="Courier New" panose="02070309020205020404" pitchFamily="49" charset="0"/>
+              <a:cs typeface="Courier New" panose="02070309020205020404" pitchFamily="49" charset="0"/>
+            </a:endParaRPr>
+          </a:p>
+          <a:p>
+            <a:r>
+              <a:rPr lang="en-US" sz="2200" dirty="0" smtClean="0">
+                <a:latin typeface="Courier New" panose="02070309020205020404" pitchFamily="49" charset="0"/>
+                <a:cs typeface="Courier New" panose="02070309020205020404" pitchFamily="49" charset="0"/>
+              </a:rPr>
+              <a:t>}</a:t>
+            </a:r>
+          </a:p>
+          <a:p>
+            <a:endParaRPr lang="en-US" sz="2200" dirty="0">
+              <a:latin typeface="Courier New" panose="02070309020205020404" pitchFamily="49" charset="0"/>
+              <a:cs typeface="Courier New" panose="02070309020205020404" pitchFamily="49" charset="0"/>
+            </a:endParaRPr>
+          </a:p>
+          <a:p>
+            <a:endParaRPr lang="en-US" sz="2200" dirty="0" smtClean="0">
+              <a:latin typeface="Courier New" panose="02070309020205020404" pitchFamily="49" charset="0"/>
+              <a:cs typeface="Courier New" panose="02070309020205020404" pitchFamily="49" charset="0"/>
+            </a:endParaRPr>
+          </a:p>
+          <a:p>
+            <a:r>
+              <a:rPr lang="en-US" sz="2200" dirty="0" smtClean="0">
+                <a:latin typeface="Courier New" panose="02070309020205020404" pitchFamily="49" charset="0"/>
+                <a:cs typeface="Courier New" panose="02070309020205020404" pitchFamily="49" charset="0"/>
+              </a:rPr>
+              <a:t>void parse() {</a:t>
+            </a:r>
+          </a:p>
+          <a:p>
+            <a:r>
+              <a:rPr lang="en-US" sz="2200" dirty="0" smtClean="0">
+                <a:latin typeface="Courier New" panose="02070309020205020404" pitchFamily="49" charset="0"/>
+                <a:cs typeface="Courier New" panose="02070309020205020404" pitchFamily="49" charset="0"/>
+              </a:rPr>
+              <a:t>  </a:t>
+            </a:r>
+            <a:r>
+              <a:rPr lang="en-US" sz="2200" b="1" dirty="0" err="1" smtClean="0">
+                <a:latin typeface="Courier New" panose="02070309020205020404" pitchFamily="49" charset="0"/>
+                <a:cs typeface="Courier New" panose="02070309020205020404" pitchFamily="49" charset="0"/>
+              </a:rPr>
+              <a:t>parse_S</a:t>
+            </a:r>
+            <a:r>
+              <a:rPr lang="en-US" sz="2200" dirty="0" smtClean="0">
+                <a:latin typeface="Courier New" panose="02070309020205020404" pitchFamily="49" charset="0"/>
+                <a:cs typeface="Courier New" panose="02070309020205020404" pitchFamily="49" charset="0"/>
+              </a:rPr>
+              <a:t>();</a:t>
+            </a:r>
+          </a:p>
+          <a:p>
+            <a:r>
+              <a:rPr lang="en-US" sz="2200" dirty="0">
+                <a:latin typeface="Courier New" panose="02070309020205020404" pitchFamily="49" charset="0"/>
+                <a:cs typeface="Courier New" panose="02070309020205020404" pitchFamily="49" charset="0"/>
+              </a:rPr>
+              <a:t> </a:t>
+            </a:r>
+            <a:r>
+              <a:rPr lang="en-US" sz="2200" dirty="0" smtClean="0">
+                <a:latin typeface="Courier New" panose="02070309020205020404" pitchFamily="49" charset="0"/>
+                <a:cs typeface="Courier New" panose="02070309020205020404" pitchFamily="49" charset="0"/>
+              </a:rPr>
+              <a:t> if (token != EOF)</a:t>
+            </a:r>
+          </a:p>
+          <a:p>
+            <a:r>
+              <a:rPr lang="en-US" sz="2200" dirty="0">
+                <a:latin typeface="Courier New" panose="02070309020205020404" pitchFamily="49" charset="0"/>
+                <a:cs typeface="Courier New" panose="02070309020205020404" pitchFamily="49" charset="0"/>
+              </a:rPr>
+              <a:t> </a:t>
+            </a:r>
+            <a:r>
+              <a:rPr lang="en-US" sz="2200" dirty="0" smtClean="0">
+                <a:latin typeface="Courier New" panose="02070309020205020404" pitchFamily="49" charset="0"/>
+                <a:cs typeface="Courier New" panose="02070309020205020404" pitchFamily="49" charset="0"/>
+              </a:rPr>
+              <a:t>   </a:t>
+            </a:r>
+            <a:r>
+              <a:rPr lang="en-US" sz="2200" b="1" dirty="0" smtClean="0">
+                <a:solidFill>
+                  <a:srgbClr val="C00000"/>
+                </a:solidFill>
+                <a:latin typeface="Courier New" panose="02070309020205020404" pitchFamily="49" charset="0"/>
+                <a:cs typeface="Courier New" panose="02070309020205020404" pitchFamily="49" charset="0"/>
+              </a:rPr>
+              <a:t>// error</a:t>
+            </a:r>
+            <a:endParaRPr lang="en-US" sz="2200" b="1" dirty="0">
+              <a:solidFill>
+                <a:srgbClr val="C00000"/>
+              </a:solidFill>
               <a:latin typeface="Courier New" panose="02070309020205020404" pitchFamily="49" charset="0"/>
               <a:cs typeface="Courier New" panose="02070309020205020404" pitchFamily="49" charset="0"/>
             </a:endParaRPr>
@@ -14488,27 +14491,7 @@
                 <a:latin typeface="Courier New" panose="02070309020205020404" pitchFamily="49" charset="0"/>
                 <a:cs typeface="Courier New" panose="02070309020205020404" pitchFamily="49" charset="0"/>
               </a:rPr>
-              <a:t>if ((</a:t>
-            </a:r>
-            <a:r>
-              <a:rPr lang="en-US" sz="2400" b="1" dirty="0" smtClean="0">
-                <a:solidFill>
-                  <a:schemeClr val="tx1"/>
-                </a:solidFill>
-                <a:latin typeface="Courier New" panose="02070309020205020404" pitchFamily="49" charset="0"/>
-                <a:cs typeface="Courier New" panose="02070309020205020404" pitchFamily="49" charset="0"/>
-              </a:rPr>
-              <a:t>8</a:t>
-            </a:r>
-            <a:r>
-              <a:rPr lang="en-US" sz="2400" b="1" dirty="0" smtClean="0">
-                <a:solidFill>
-                  <a:schemeClr val="tx1"/>
-                </a:solidFill>
-                <a:latin typeface="Courier New" panose="02070309020205020404" pitchFamily="49" charset="0"/>
-                <a:cs typeface="Courier New" panose="02070309020205020404" pitchFamily="49" charset="0"/>
-              </a:rPr>
-              <a:t>))) {</a:t>
+              <a:t>if ((8))) {</a:t>
             </a:r>
           </a:p>
           <a:p>
@@ -18703,27 +18686,7 @@
                 <a:latin typeface="Courier New" panose="02070309020205020404" pitchFamily="49" charset="0"/>
                 <a:cs typeface="Courier New" panose="02070309020205020404" pitchFamily="49" charset="0"/>
               </a:rPr>
-              <a:t>if ((</a:t>
-            </a:r>
-            <a:r>
-              <a:rPr lang="en-US" sz="2400" b="1" dirty="0" smtClean="0">
-                <a:solidFill>
-                  <a:schemeClr val="tx1"/>
-                </a:solidFill>
-                <a:latin typeface="Courier New" panose="02070309020205020404" pitchFamily="49" charset="0"/>
-                <a:cs typeface="Courier New" panose="02070309020205020404" pitchFamily="49" charset="0"/>
-              </a:rPr>
-              <a:t>8</a:t>
-            </a:r>
-            <a:r>
-              <a:rPr lang="en-US" sz="2400" b="1" dirty="0" smtClean="0">
-                <a:solidFill>
-                  <a:schemeClr val="tx1"/>
-                </a:solidFill>
-                <a:latin typeface="Courier New" panose="02070309020205020404" pitchFamily="49" charset="0"/>
-                <a:cs typeface="Courier New" panose="02070309020205020404" pitchFamily="49" charset="0"/>
-              </a:rPr>
-              <a:t>))) {</a:t>
+              <a:t>if ((8))) {</a:t>
             </a:r>
           </a:p>
           <a:p>
@@ -31112,27 +31075,7 @@
                 <a:latin typeface="Courier New" panose="02070309020205020404" pitchFamily="49" charset="0"/>
                 <a:cs typeface="Courier New" panose="02070309020205020404" pitchFamily="49" charset="0"/>
               </a:rPr>
-              <a:t>if ((</a:t>
-            </a:r>
-            <a:r>
-              <a:rPr lang="en-US" sz="2400" b="1" dirty="0" smtClean="0">
-                <a:solidFill>
-                  <a:schemeClr val="tx1"/>
-                </a:solidFill>
-                <a:latin typeface="Courier New" panose="02070309020205020404" pitchFamily="49" charset="0"/>
-                <a:cs typeface="Courier New" panose="02070309020205020404" pitchFamily="49" charset="0"/>
-              </a:rPr>
-              <a:t>8</a:t>
-            </a:r>
-            <a:r>
-              <a:rPr lang="en-US" sz="2400" b="1" dirty="0" smtClean="0">
-                <a:solidFill>
-                  <a:schemeClr val="tx1"/>
-                </a:solidFill>
-                <a:latin typeface="Courier New" panose="02070309020205020404" pitchFamily="49" charset="0"/>
-                <a:cs typeface="Courier New" panose="02070309020205020404" pitchFamily="49" charset="0"/>
-              </a:rPr>
-              <a:t>)) {</a:t>
+              <a:t>if ((8)) {</a:t>
             </a:r>
           </a:p>
           <a:p>
@@ -35151,8 +35094,8 @@
           </a:p>
         </p:txBody>
       </p:sp>
-      <mc:AlternateContent xmlns:mc="http://schemas.openxmlformats.org/markup-compatibility/2006" xmlns:a14="http://schemas.microsoft.com/office/drawing/2010/main">
-        <mc:Choice Requires="a14">
+      <mc:AlternateContent xmlns:mc="http://schemas.openxmlformats.org/markup-compatibility/2006">
+        <mc:Choice xmlns:a14="http://schemas.microsoft.com/office/drawing/2010/main" Requires="a14">
           <p:sp>
             <p:nvSpPr>
               <p:cNvPr id="5" name="TextBox 4"/>
@@ -35162,7 +35105,7 @@
             <p:spPr>
               <a:xfrm>
                 <a:off x="1011113" y="1529865"/>
-                <a:ext cx="10691359" cy="3108543"/>
+                <a:ext cx="10691359" cy="2677656"/>
               </a:xfrm>
               <a:prstGeom prst="rect">
                 <a:avLst/>
@@ -35205,7 +35148,13 @@
                       <a:rPr lang="en-US" sz="2800" b="0" i="1" smtClean="0">
                         <a:latin typeface="Cambria Math" panose="02040503050406030204" pitchFamily="18" charset="0"/>
                       </a:rPr>
-                      <m:t>𝐴𝑎𝑏</m:t>
+                      <m:t>𝑇</m:t>
+                    </m:r>
+                    <m:r>
+                      <a:rPr lang="en-US" sz="2800" b="0" i="1" smtClean="0">
+                        <a:latin typeface="Cambria Math" panose="02040503050406030204" pitchFamily="18" charset="0"/>
+                      </a:rPr>
+                      <m:t>𝑎𝑏</m:t>
                     </m:r>
                   </m:oMath>
                 </a14:m>
@@ -35224,7 +35173,7 @@
                       <a:rPr lang="en-US" sz="2800" b="0" i="1" smtClean="0">
                         <a:latin typeface="Cambria Math" panose="02040503050406030204" pitchFamily="18" charset="0"/>
                       </a:rPr>
-                      <m:t>𝐴</m:t>
+                      <m:t>𝑇</m:t>
                     </m:r>
                     <m:r>
                       <a:rPr lang="en-US" sz="2800" i="1">
@@ -35238,30 +35187,11 @@
                       </a:rPr>
                       <m:t>𝑎</m:t>
                     </m:r>
-                  </m:oMath>
-                </a14:m>
-                <a:endParaRPr lang="en-US" sz="2800" b="0" dirty="0" smtClean="0">
-                  <a:latin typeface="+mj-lt"/>
-                </a:endParaRPr>
-              </a:p>
-              <a:p>
-                <a:pPr marL="285750" indent="-285750">
-                  <a:buFont typeface="Arial" panose="020B0604020202020204" pitchFamily="34" charset="0"/>
-                  <a:buChar char="•"/>
-                </a:pPr>
-                <a14:m>
-                  <m:oMath xmlns:m="http://schemas.openxmlformats.org/officeDocument/2006/math">
-                    <m:r>
-                      <a:rPr lang="en-US" sz="2800" b="0" i="1" smtClean="0">
-                        <a:latin typeface="Cambria Math" panose="02040503050406030204" pitchFamily="18" charset="0"/>
-                      </a:rPr>
-                      <m:t>𝐴</m:t>
-                    </m:r>
-                    <m:r>
-                      <a:rPr lang="en-US" sz="2800" i="1">
-                        <a:latin typeface="Cambria Math" panose="02040503050406030204" pitchFamily="18" charset="0"/>
-                      </a:rPr>
-                      <m:t>→</m:t>
+                    <m:r>
+                      <a:rPr lang="en-US" sz="2800" b="0" i="1" smtClean="0">
+                        <a:latin typeface="Cambria Math" panose="02040503050406030204" pitchFamily="18" charset="0"/>
+                      </a:rPr>
+                      <m:t> | </m:t>
                     </m:r>
                     <m:r>
                       <a:rPr lang="en-US" sz="2800" b="0" i="1" smtClean="0">
@@ -35306,7 +35236,7 @@
             </p:txBody>
           </p:sp>
         </mc:Choice>
-        <mc:Fallback xmlns="">
+        <mc:Fallback>
           <p:sp>
             <p:nvSpPr>
               <p:cNvPr id="5" name="TextBox 4"/>
@@ -35318,7 +35248,7 @@
             <p:spPr>
               <a:xfrm>
                 <a:off x="1011113" y="1529865"/>
-                <a:ext cx="10691359" cy="3108543"/>
+                <a:ext cx="10691359" cy="2677656"/>
               </a:xfrm>
               <a:prstGeom prst="rect">
                 <a:avLst/>
@@ -35326,7 +35256,7 @@
               <a:blipFill>
                 <a:blip r:embed="rId2"/>
                 <a:stretch>
-                  <a:fillRect l="-1197" t="-1961" b="-4706"/>
+                  <a:fillRect l="-1197" t="-2278" b="-5695"/>
                 </a:stretch>
               </a:blipFill>
             </p:spPr>
@@ -35422,8 +35352,8 @@
           </a:p>
         </p:txBody>
       </p:sp>
-      <mc:AlternateContent xmlns:mc="http://schemas.openxmlformats.org/markup-compatibility/2006" xmlns:a14="http://schemas.microsoft.com/office/drawing/2010/main">
-        <mc:Choice Requires="a14">
+      <mc:AlternateContent xmlns:mc="http://schemas.openxmlformats.org/markup-compatibility/2006">
+        <mc:Choice xmlns:a14="http://schemas.microsoft.com/office/drawing/2010/main" Requires="a14">
           <p:sp>
             <p:nvSpPr>
               <p:cNvPr id="5" name="TextBox 4"/>
@@ -35433,7 +35363,7 @@
             <p:spPr>
               <a:xfrm>
                 <a:off x="1011113" y="1529865"/>
-                <a:ext cx="10691359" cy="3970318"/>
+                <a:ext cx="10691359" cy="3539430"/>
               </a:xfrm>
               <a:prstGeom prst="rect">
                 <a:avLst/>
@@ -35476,7 +35406,13 @@
                       <a:rPr lang="en-US" sz="2800" b="0" i="1" smtClean="0">
                         <a:latin typeface="Cambria Math" panose="02040503050406030204" pitchFamily="18" charset="0"/>
                       </a:rPr>
-                      <m:t>𝐴𝑎𝑏</m:t>
+                      <m:t>𝑇</m:t>
+                    </m:r>
+                    <m:r>
+                      <a:rPr lang="en-US" sz="2800" b="0" i="1" smtClean="0">
+                        <a:latin typeface="Cambria Math" panose="02040503050406030204" pitchFamily="18" charset="0"/>
+                      </a:rPr>
+                      <m:t>𝑎𝑏</m:t>
                     </m:r>
                   </m:oMath>
                 </a14:m>
@@ -35495,7 +35431,7 @@
                       <a:rPr lang="en-US" sz="2800" b="0" i="1" smtClean="0">
                         <a:latin typeface="Cambria Math" panose="02040503050406030204" pitchFamily="18" charset="0"/>
                       </a:rPr>
-                      <m:t>𝐴</m:t>
+                      <m:t>𝑇</m:t>
                     </m:r>
                     <m:r>
                       <a:rPr lang="en-US" sz="2800" i="1">
@@ -35509,30 +35445,11 @@
                       </a:rPr>
                       <m:t>𝑎</m:t>
                     </m:r>
-                  </m:oMath>
-                </a14:m>
-                <a:endParaRPr lang="en-US" sz="2800" b="0" dirty="0" smtClean="0">
-                  <a:latin typeface="+mj-lt"/>
-                </a:endParaRPr>
-              </a:p>
-              <a:p>
-                <a:pPr marL="285750" indent="-285750">
-                  <a:buFont typeface="Arial" panose="020B0604020202020204" pitchFamily="34" charset="0"/>
-                  <a:buChar char="•"/>
-                </a:pPr>
-                <a14:m>
-                  <m:oMath xmlns:m="http://schemas.openxmlformats.org/officeDocument/2006/math">
-                    <m:r>
-                      <a:rPr lang="en-US" sz="2800" b="0" i="1" smtClean="0">
-                        <a:latin typeface="Cambria Math" panose="02040503050406030204" pitchFamily="18" charset="0"/>
-                      </a:rPr>
-                      <m:t>𝐴</m:t>
-                    </m:r>
-                    <m:r>
-                      <a:rPr lang="en-US" sz="2800" i="1">
-                        <a:latin typeface="Cambria Math" panose="02040503050406030204" pitchFamily="18" charset="0"/>
-                      </a:rPr>
-                      <m:t>→</m:t>
+                    <m:r>
+                      <a:rPr lang="en-US" sz="2800" b="0" i="1" smtClean="0">
+                        <a:latin typeface="Cambria Math" panose="02040503050406030204" pitchFamily="18" charset="0"/>
+                      </a:rPr>
+                      <m:t> | </m:t>
                     </m:r>
                     <m:r>
                       <a:rPr lang="en-US" sz="2800" b="0" i="1" smtClean="0">
@@ -35590,7 +35507,7 @@
             </p:txBody>
           </p:sp>
         </mc:Choice>
-        <mc:Fallback xmlns="">
+        <mc:Fallback>
           <p:sp>
             <p:nvSpPr>
               <p:cNvPr id="5" name="TextBox 4"/>
@@ -35602,7 +35519,7 @@
             <p:spPr>
               <a:xfrm>
                 <a:off x="1011113" y="1529865"/>
-                <a:ext cx="10691359" cy="3970318"/>
+                <a:ext cx="10691359" cy="3539430"/>
               </a:xfrm>
               <a:prstGeom prst="rect">
                 <a:avLst/>
@@ -35610,7 +35527,7 @@
               <a:blipFill>
                 <a:blip r:embed="rId2"/>
                 <a:stretch>
-                  <a:fillRect l="-1197" t="-1536" b="-3533"/>
+                  <a:fillRect l="-1197" t="-1721" b="-3959"/>
                 </a:stretch>
               </a:blipFill>
             </p:spPr>
@@ -35706,8 +35623,8 @@
           </a:p>
         </p:txBody>
       </p:sp>
-      <mc:AlternateContent xmlns:mc="http://schemas.openxmlformats.org/markup-compatibility/2006" xmlns:a14="http://schemas.microsoft.com/office/drawing/2010/main">
-        <mc:Choice Requires="a14">
+      <mc:AlternateContent xmlns:mc="http://schemas.openxmlformats.org/markup-compatibility/2006">
+        <mc:Choice xmlns:a14="http://schemas.microsoft.com/office/drawing/2010/main" Requires="a14">
           <p:sp>
             <p:nvSpPr>
               <p:cNvPr id="5" name="TextBox 4"/>
@@ -35760,7 +35677,13 @@
                       <a:rPr lang="en-US" sz="2800" b="0" i="1" smtClean="0">
                         <a:latin typeface="Cambria Math" panose="02040503050406030204" pitchFamily="18" charset="0"/>
                       </a:rPr>
-                      <m:t>𝐴𝑎𝑏</m:t>
+                      <m:t>𝑇</m:t>
+                    </m:r>
+                    <m:r>
+                      <a:rPr lang="en-US" sz="2800" b="0" i="1" smtClean="0">
+                        <a:latin typeface="Cambria Math" panose="02040503050406030204" pitchFamily="18" charset="0"/>
+                      </a:rPr>
+                      <m:t>𝑎𝑏</m:t>
                     </m:r>
                   </m:oMath>
                 </a14:m>
@@ -35779,7 +35702,7 @@
                       <a:rPr lang="en-US" sz="2800" b="0" i="1" smtClean="0">
                         <a:latin typeface="Cambria Math" panose="02040503050406030204" pitchFamily="18" charset="0"/>
                       </a:rPr>
-                      <m:t>𝐴</m:t>
+                      <m:t>𝑇</m:t>
                     </m:r>
                     <m:r>
                       <a:rPr lang="en-US" sz="2800" i="1">
@@ -35993,7 +35916,7 @@
             </p:txBody>
           </p:sp>
         </mc:Choice>
-        <mc:Fallback xmlns="">
+        <mc:Fallback>
           <p:sp>
             <p:nvSpPr>
               <p:cNvPr id="5" name="TextBox 4"/>
@@ -36109,8 +36032,8 @@
           </a:p>
         </p:txBody>
       </p:sp>
-      <mc:AlternateContent xmlns:mc="http://schemas.openxmlformats.org/markup-compatibility/2006" xmlns:a14="http://schemas.microsoft.com/office/drawing/2010/main">
-        <mc:Choice Requires="a14">
+      <mc:AlternateContent xmlns:mc="http://schemas.openxmlformats.org/markup-compatibility/2006">
+        <mc:Choice xmlns:a14="http://schemas.microsoft.com/office/drawing/2010/main" Requires="a14">
           <p:sp>
             <p:nvSpPr>
               <p:cNvPr id="5" name="TextBox 4"/>
@@ -36142,10 +36065,10 @@
                 <a14:m>
                   <m:oMath xmlns:m="http://schemas.openxmlformats.org/officeDocument/2006/math">
                     <m:r>
-                      <a:rPr lang="en-US" sz="2800" i="1">
-                        <a:latin typeface="Cambria Math" panose="02040503050406030204" pitchFamily="18" charset="0"/>
-                      </a:rPr>
-                      <m:t>𝐴</m:t>
+                      <a:rPr lang="en-US" sz="2800" b="0" i="1" smtClean="0">
+                        <a:latin typeface="Cambria Math" panose="02040503050406030204" pitchFamily="18" charset="0"/>
+                      </a:rPr>
+                      <m:t>𝑇</m:t>
                     </m:r>
                   </m:oMath>
                 </a14:m>
@@ -36196,7 +36119,13 @@
                       <a:rPr lang="en-US" sz="2800" b="0" i="1" smtClean="0">
                         <a:latin typeface="Cambria Math" panose="02040503050406030204" pitchFamily="18" charset="0"/>
                       </a:rPr>
-                      <m:t>𝐴𝑎𝑏</m:t>
+                      <m:t>𝑇</m:t>
+                    </m:r>
+                    <m:r>
+                      <a:rPr lang="en-US" sz="2800" b="0" i="1" smtClean="0">
+                        <a:latin typeface="Cambria Math" panose="02040503050406030204" pitchFamily="18" charset="0"/>
+                      </a:rPr>
+                      <m:t>𝑎𝑏</m:t>
                     </m:r>
                   </m:oMath>
                 </a14:m>
@@ -36215,7 +36144,7 @@
                       <a:rPr lang="en-US" sz="2800" b="0" i="1" smtClean="0">
                         <a:latin typeface="Cambria Math" panose="02040503050406030204" pitchFamily="18" charset="0"/>
                       </a:rPr>
-                      <m:t>𝐴</m:t>
+                      <m:t>𝑇</m:t>
                     </m:r>
                     <m:r>
                       <a:rPr lang="en-US" sz="2800" i="1">
@@ -36349,7 +36278,7 @@
             </p:txBody>
           </p:sp>
         </mc:Choice>
-        <mc:Fallback xmlns="">
+        <mc:Fallback>
           <p:sp>
             <p:nvSpPr>
               <p:cNvPr id="5" name="TextBox 4"/>
@@ -36507,7 +36436,7 @@
                 <a14:m>
                   <m:oMath xmlns:m="http://schemas.openxmlformats.org/officeDocument/2006/math">
                     <m:r>
-                      <a:rPr lang="en-US" sz="2800" i="1">
+                      <a:rPr lang="en-US" sz="2800" i="1" smtClean="0">
                         <a:latin typeface="Cambria Math" panose="02040503050406030204" pitchFamily="18" charset="0"/>
                       </a:rPr>
                       <m:t>𝑆</m:t>
@@ -36821,27 +36750,7 @@
                 <a:latin typeface="Courier New" panose="02070309020205020404" pitchFamily="49" charset="0"/>
                 <a:cs typeface="Courier New" panose="02070309020205020404" pitchFamily="49" charset="0"/>
               </a:rPr>
-              <a:t>if ((</a:t>
-            </a:r>
-            <a:r>
-              <a:rPr lang="en-US" sz="2400" b="1" dirty="0" smtClean="0">
-                <a:solidFill>
-                  <a:schemeClr val="tx1"/>
-                </a:solidFill>
-                <a:latin typeface="Courier New" panose="02070309020205020404" pitchFamily="49" charset="0"/>
-                <a:cs typeface="Courier New" panose="02070309020205020404" pitchFamily="49" charset="0"/>
-              </a:rPr>
-              <a:t>8</a:t>
-            </a:r>
-            <a:r>
-              <a:rPr lang="en-US" sz="2400" b="1" dirty="0" smtClean="0">
-                <a:solidFill>
-                  <a:schemeClr val="tx1"/>
-                </a:solidFill>
-                <a:latin typeface="Courier New" panose="02070309020205020404" pitchFamily="49" charset="0"/>
-                <a:cs typeface="Courier New" panose="02070309020205020404" pitchFamily="49" charset="0"/>
-              </a:rPr>
-              <a:t>)) {</a:t>
+              <a:t>if ((8)) {</a:t>
             </a:r>
           </a:p>
           <a:p>

--- a/slides/top_down_parsing.pptx
+++ b/slides/top_down_parsing.pptx
@@ -55,8 +55,8 @@
     <p:sldId id="459" r:id="rId46"/>
     <p:sldId id="460" r:id="rId47"/>
     <p:sldId id="461" r:id="rId48"/>
-    <p:sldId id="464" r:id="rId49"/>
-    <p:sldId id="463" r:id="rId50"/>
+    <p:sldId id="463" r:id="rId49"/>
+    <p:sldId id="464" r:id="rId50"/>
     <p:sldId id="466" r:id="rId51"/>
     <p:sldId id="486" r:id="rId52"/>
     <p:sldId id="487" r:id="rId53"/>
@@ -18303,7 +18303,7 @@
               <a:rPr lang="en-US" sz="4800" dirty="0" smtClean="0">
                 <a:latin typeface="+mj-lt"/>
               </a:rPr>
-              <a:t>CFG vs Language</a:t>
+              <a:t>LL(1)</a:t>
             </a:r>
             <a:endParaRPr lang="en-US" sz="4800" dirty="0">
               <a:latin typeface="+mj-lt"/>
@@ -18320,7 +18320,7 @@
         <p:spPr>
           <a:xfrm>
             <a:off x="1011115" y="1529866"/>
-            <a:ext cx="10137964" cy="1815882"/>
+            <a:ext cx="10137964" cy="1384995"/>
           </a:xfrm>
           <a:prstGeom prst="rect">
             <a:avLst/>
@@ -18333,6 +18333,14 @@
           </a:bodyPr>
           <a:lstStyle/>
           <a:p>
+            <a:r>
+              <a:rPr lang="en-US" sz="2800" dirty="0" smtClean="0">
+                <a:latin typeface="+mj-lt"/>
+              </a:rPr>
+              <a:t>Definitions:</a:t>
+            </a:r>
+          </a:p>
+          <a:p>
             <a:pPr marL="285750" indent="-285750">
               <a:buFont typeface="Arial" panose="020B0604020202020204" pitchFamily="34" charset="0"/>
               <a:buChar char="•"/>
@@ -18341,7 +18349,13 @@
               <a:rPr lang="en-US" sz="2800" dirty="0" smtClean="0">
                 <a:latin typeface="+mj-lt"/>
               </a:rPr>
-              <a:t>A language may hove more the one CFG</a:t>
+              <a:t>A grammar that </a:t>
+            </a:r>
+            <a:r>
+              <a:rPr lang="en-US" sz="2800" dirty="0">
+                <a:latin typeface="+mj-lt"/>
+              </a:rPr>
+              <a:t>has a predictive parser is called LL(1)</a:t>
             </a:r>
           </a:p>
           <a:p>
@@ -18353,42 +18367,15 @@
               <a:rPr lang="en-US" sz="2800" dirty="0" smtClean="0">
                 <a:latin typeface="+mj-lt"/>
               </a:rPr>
-              <a:t>We might have a language which 2 CFG’s where:</a:t>
-            </a:r>
-          </a:p>
-          <a:p>
-            <a:pPr marL="742950" lvl="1" indent="-285750">
-              <a:buFont typeface="Arial" panose="020B0604020202020204" pitchFamily="34" charset="0"/>
-              <a:buChar char="•"/>
-            </a:pPr>
-            <a:r>
-              <a:rPr lang="en-US" sz="2800" dirty="0" smtClean="0">
-                <a:latin typeface="+mj-lt"/>
-              </a:rPr>
-              <a:t>One has a predictive parser</a:t>
-            </a:r>
-          </a:p>
-          <a:p>
-            <a:pPr marL="742950" lvl="1" indent="-285750">
-              <a:buFont typeface="Arial" panose="020B0604020202020204" pitchFamily="34" charset="0"/>
-              <a:buChar char="•"/>
-            </a:pPr>
-            <a:r>
-              <a:rPr lang="en-US" sz="2800" dirty="0" smtClean="0">
-                <a:latin typeface="+mj-lt"/>
-              </a:rPr>
-              <a:t>The other one doesn’t…</a:t>
-            </a:r>
-            <a:endParaRPr lang="en-US" sz="2800" dirty="0">
-              <a:latin typeface="+mj-lt"/>
-            </a:endParaRPr>
+              <a:t>A language that has LL(1) grammar is called LL(1)</a:t>
+            </a:r>
           </a:p>
         </p:txBody>
       </p:sp>
     </p:spTree>
     <p:extLst>
       <p:ext uri="{BB962C8B-B14F-4D97-AF65-F5344CB8AC3E}">
-        <p14:creationId xmlns:p14="http://schemas.microsoft.com/office/powerpoint/2010/main" val="1414209627"/>
+        <p14:creationId xmlns:p14="http://schemas.microsoft.com/office/powerpoint/2010/main" val="15219133"/>
       </p:ext>
     </p:extLst>
   </p:cSld>
@@ -18448,7 +18435,7 @@
               <a:rPr lang="en-US" sz="4800" dirty="0" smtClean="0">
                 <a:latin typeface="+mj-lt"/>
               </a:rPr>
-              <a:t>LL(1)</a:t>
+              <a:t>CFG vs Language</a:t>
             </a:r>
             <a:endParaRPr lang="en-US" sz="4800" dirty="0">
               <a:latin typeface="+mj-lt"/>
@@ -18465,7 +18452,7 @@
         <p:spPr>
           <a:xfrm>
             <a:off x="1011115" y="1529866"/>
-            <a:ext cx="10137964" cy="1384995"/>
+            <a:ext cx="10137964" cy="1815882"/>
           </a:xfrm>
           <a:prstGeom prst="rect">
             <a:avLst/>
@@ -18478,14 +18465,6 @@
           </a:bodyPr>
           <a:lstStyle/>
           <a:p>
-            <a:r>
-              <a:rPr lang="en-US" sz="2800" dirty="0" smtClean="0">
-                <a:latin typeface="+mj-lt"/>
-              </a:rPr>
-              <a:t>Definitions:</a:t>
-            </a:r>
-          </a:p>
-          <a:p>
             <a:pPr marL="285750" indent="-285750">
               <a:buFont typeface="Arial" panose="020B0604020202020204" pitchFamily="34" charset="0"/>
               <a:buChar char="•"/>
@@ -18494,13 +18473,7 @@
               <a:rPr lang="en-US" sz="2800" dirty="0" smtClean="0">
                 <a:latin typeface="+mj-lt"/>
               </a:rPr>
-              <a:t>A grammar that </a:t>
-            </a:r>
-            <a:r>
-              <a:rPr lang="en-US" sz="2800" dirty="0">
-                <a:latin typeface="+mj-lt"/>
-              </a:rPr>
-              <a:t>has a predictive parser is called LL(1)</a:t>
+              <a:t>A language may hove more the one CFG</a:t>
             </a:r>
           </a:p>
           <a:p>
@@ -18512,15 +18485,42 @@
               <a:rPr lang="en-US" sz="2800" dirty="0" smtClean="0">
                 <a:latin typeface="+mj-lt"/>
               </a:rPr>
-              <a:t>A language that has LL(1) grammar is called LL(1)</a:t>
-            </a:r>
+              <a:t>We might have a language which 2 CFG’s where:</a:t>
+            </a:r>
+          </a:p>
+          <a:p>
+            <a:pPr marL="742950" lvl="1" indent="-285750">
+              <a:buFont typeface="Arial" panose="020B0604020202020204" pitchFamily="34" charset="0"/>
+              <a:buChar char="•"/>
+            </a:pPr>
+            <a:r>
+              <a:rPr lang="en-US" sz="2800" dirty="0" smtClean="0">
+                <a:latin typeface="+mj-lt"/>
+              </a:rPr>
+              <a:t>One of them is LL(1)</a:t>
+            </a:r>
+          </a:p>
+          <a:p>
+            <a:pPr marL="742950" lvl="1" indent="-285750">
+              <a:buFont typeface="Arial" panose="020B0604020202020204" pitchFamily="34" charset="0"/>
+              <a:buChar char="•"/>
+            </a:pPr>
+            <a:r>
+              <a:rPr lang="en-US" sz="2800" dirty="0" smtClean="0">
+                <a:latin typeface="+mj-lt"/>
+              </a:rPr>
+              <a:t>The other one isn’t…</a:t>
+            </a:r>
+            <a:endParaRPr lang="en-US" sz="2800" dirty="0">
+              <a:latin typeface="+mj-lt"/>
+            </a:endParaRPr>
           </a:p>
         </p:txBody>
       </p:sp>
     </p:spTree>
     <p:extLst>
       <p:ext uri="{BB962C8B-B14F-4D97-AF65-F5344CB8AC3E}">
-        <p14:creationId xmlns:p14="http://schemas.microsoft.com/office/powerpoint/2010/main" val="15219133"/>
+        <p14:creationId xmlns:p14="http://schemas.microsoft.com/office/powerpoint/2010/main" val="1414209627"/>
       </p:ext>
     </p:extLst>
   </p:cSld>

--- a/slides/top_down_parsing.pptx
+++ b/slides/top_down_parsing.pptx
@@ -13092,7 +13092,7 @@
         <p:spPr>
           <a:xfrm>
             <a:off x="1044368" y="1540775"/>
-            <a:ext cx="3710514" cy="4016484"/>
+            <a:ext cx="3710514" cy="5062924"/>
           </a:xfrm>
           <a:prstGeom prst="rect">
             <a:avLst/>
@@ -13300,9 +13300,93 @@
                 <a:latin typeface="Courier New" panose="02070309020205020404" pitchFamily="49" charset="0"/>
                 <a:cs typeface="Courier New" panose="02070309020205020404" pitchFamily="49" charset="0"/>
               </a:rPr>
-              <a:t>    break;</a:t>
-            </a:r>
-            <a:endParaRPr lang="en-US" sz="1700" dirty="0" smtClean="0">
+              <a:t>    break</a:t>
+            </a:r>
+            <a:r>
+              <a:rPr lang="en-US" sz="1700" dirty="0" smtClean="0">
+                <a:latin typeface="Courier New" panose="02070309020205020404" pitchFamily="49" charset="0"/>
+                <a:cs typeface="Courier New" panose="02070309020205020404" pitchFamily="49" charset="0"/>
+              </a:rPr>
+              <a:t>;</a:t>
+            </a:r>
+          </a:p>
+          <a:p>
+            <a:r>
+              <a:rPr lang="en-US" sz="1700" dirty="0">
+                <a:latin typeface="Courier New" panose="02070309020205020404" pitchFamily="49" charset="0"/>
+                <a:cs typeface="Courier New" panose="02070309020205020404" pitchFamily="49" charset="0"/>
+              </a:rPr>
+              <a:t> </a:t>
+            </a:r>
+            <a:r>
+              <a:rPr lang="en-US" sz="1700" dirty="0" smtClean="0">
+                <a:latin typeface="Courier New" panose="02070309020205020404" pitchFamily="49" charset="0"/>
+                <a:cs typeface="Courier New" panose="02070309020205020404" pitchFamily="49" charset="0"/>
+              </a:rPr>
+              <a:t> case R_PAREN:</a:t>
+            </a:r>
+          </a:p>
+          <a:p>
+            <a:r>
+              <a:rPr lang="en-US" sz="1700" dirty="0">
+                <a:latin typeface="Courier New" panose="02070309020205020404" pitchFamily="49" charset="0"/>
+                <a:cs typeface="Courier New" panose="02070309020205020404" pitchFamily="49" charset="0"/>
+              </a:rPr>
+              <a:t> </a:t>
+            </a:r>
+            <a:r>
+              <a:rPr lang="en-US" sz="1700" dirty="0" smtClean="0">
+                <a:latin typeface="Courier New" panose="02070309020205020404" pitchFamily="49" charset="0"/>
+                <a:cs typeface="Courier New" panose="02070309020205020404" pitchFamily="49" charset="0"/>
+              </a:rPr>
+              <a:t> case R_BRACKET:</a:t>
+            </a:r>
+          </a:p>
+          <a:p>
+            <a:r>
+              <a:rPr lang="en-US" sz="1700" dirty="0">
+                <a:latin typeface="Courier New" panose="02070309020205020404" pitchFamily="49" charset="0"/>
+                <a:cs typeface="Courier New" panose="02070309020205020404" pitchFamily="49" charset="0"/>
+              </a:rPr>
+              <a:t> </a:t>
+            </a:r>
+            <a:r>
+              <a:rPr lang="en-US" sz="1700" dirty="0" smtClean="0">
+                <a:latin typeface="Courier New" panose="02070309020205020404" pitchFamily="49" charset="0"/>
+                <a:cs typeface="Courier New" panose="02070309020205020404" pitchFamily="49" charset="0"/>
+              </a:rPr>
+              <a:t> case R_BRACE:</a:t>
+            </a:r>
+          </a:p>
+          <a:p>
+            <a:r>
+              <a:rPr lang="en-US" sz="1700" dirty="0">
+                <a:latin typeface="Courier New" panose="02070309020205020404" pitchFamily="49" charset="0"/>
+                <a:cs typeface="Courier New" panose="02070309020205020404" pitchFamily="49" charset="0"/>
+              </a:rPr>
+              <a:t> </a:t>
+            </a:r>
+            <a:r>
+              <a:rPr lang="en-US" sz="1700" dirty="0" smtClean="0">
+                <a:latin typeface="Courier New" panose="02070309020205020404" pitchFamily="49" charset="0"/>
+                <a:cs typeface="Courier New" panose="02070309020205020404" pitchFamily="49" charset="0"/>
+              </a:rPr>
+              <a:t>   </a:t>
+            </a:r>
+            <a:r>
+              <a:rPr lang="en-US" sz="1700" b="1" dirty="0" smtClean="0">
+                <a:solidFill>
+                  <a:srgbClr val="C00000"/>
+                </a:solidFill>
+                <a:latin typeface="Courier New" panose="02070309020205020404" pitchFamily="49" charset="0"/>
+                <a:cs typeface="Courier New" panose="02070309020205020404" pitchFamily="49" charset="0"/>
+              </a:rPr>
+              <a:t>//error</a:t>
+            </a:r>
+            <a:endParaRPr lang="en-US" sz="1700" b="1" dirty="0" smtClean="0">
+              <a:solidFill>
+                <a:srgbClr val="C00000"/>
+              </a:solidFill>
               <a:latin typeface="Courier New" panose="02070309020205020404" pitchFamily="49" charset="0"/>
               <a:cs typeface="Courier New" panose="02070309020205020404" pitchFamily="49" charset="0"/>
             </a:endParaRPr>

--- a/slides/top_down_parsing.pptx
+++ b/slides/top_down_parsing.pptx
@@ -268,7 +268,7 @@
           <a:p>
             <a:fld id="{912166FD-9A85-48B8-B5C8-1A087ED81368}" type="datetimeFigureOut">
               <a:rPr lang="en-US" smtClean="0"/>
-              <a:t>10/28/2021</a:t>
+              <a:t>10/30/2021</a:t>
             </a:fld>
             <a:endParaRPr lang="en-US"/>
           </a:p>
@@ -2106,7 +2106,7 @@
           <a:p>
             <a:fld id="{0E5CD31E-43F3-40B0-B003-1CA31CA895B5}" type="datetimeFigureOut">
               <a:rPr lang="en-US" smtClean="0"/>
-              <a:t>10/28/2021</a:t>
+              <a:t>10/30/2021</a:t>
             </a:fld>
             <a:endParaRPr lang="en-US"/>
           </a:p>
@@ -2319,7 +2319,7 @@
           <a:p>
             <a:fld id="{0E5CD31E-43F3-40B0-B003-1CA31CA895B5}" type="datetimeFigureOut">
               <a:rPr lang="en-US" smtClean="0"/>
-              <a:t>10/28/2021</a:t>
+              <a:t>10/30/2021</a:t>
             </a:fld>
             <a:endParaRPr lang="en-US"/>
           </a:p>
@@ -2575,7 +2575,7 @@
           <a:p>
             <a:fld id="{0E5CD31E-43F3-40B0-B003-1CA31CA895B5}" type="datetimeFigureOut">
               <a:rPr lang="en-US" smtClean="0"/>
-              <a:t>10/28/2021</a:t>
+              <a:t>10/30/2021</a:t>
             </a:fld>
             <a:endParaRPr lang="en-US"/>
           </a:p>
@@ -2754,7 +2754,7 @@
           <a:p>
             <a:fld id="{0E5CD31E-43F3-40B0-B003-1CA31CA895B5}" type="datetimeFigureOut">
               <a:rPr lang="en-US" smtClean="0"/>
-              <a:t>10/28/2021</a:t>
+              <a:t>10/30/2021</a:t>
             </a:fld>
             <a:endParaRPr lang="en-US"/>
           </a:p>
@@ -3097,7 +3097,7 @@
           <a:p>
             <a:fld id="{0E5CD31E-43F3-40B0-B003-1CA31CA895B5}" type="datetimeFigureOut">
               <a:rPr lang="en-US" smtClean="0"/>
-              <a:t>10/28/2021</a:t>
+              <a:t>10/30/2021</a:t>
             </a:fld>
             <a:endParaRPr lang="en-US"/>
           </a:p>
@@ -3377,7 +3377,7 @@
           <a:p>
             <a:fld id="{0E5CD31E-43F3-40B0-B003-1CA31CA895B5}" type="datetimeFigureOut">
               <a:rPr lang="en-US" smtClean="0"/>
-              <a:t>10/28/2021</a:t>
+              <a:t>10/30/2021</a:t>
             </a:fld>
             <a:endParaRPr lang="en-US"/>
           </a:p>
@@ -3761,7 +3761,7 @@
           <a:p>
             <a:fld id="{0E5CD31E-43F3-40B0-B003-1CA31CA895B5}" type="datetimeFigureOut">
               <a:rPr lang="en-US" smtClean="0"/>
-              <a:t>10/28/2021</a:t>
+              <a:t>10/30/2021</a:t>
             </a:fld>
             <a:endParaRPr lang="en-US"/>
           </a:p>
@@ -3884,7 +3884,7 @@
           <a:p>
             <a:fld id="{0E5CD31E-43F3-40B0-B003-1CA31CA895B5}" type="datetimeFigureOut">
               <a:rPr lang="en-US" smtClean="0"/>
-              <a:t>10/28/2021</a:t>
+              <a:t>10/30/2021</a:t>
             </a:fld>
             <a:endParaRPr lang="en-US"/>
           </a:p>
@@ -4055,7 +4055,7 @@
           <a:p>
             <a:fld id="{0E5CD31E-43F3-40B0-B003-1CA31CA895B5}" type="datetimeFigureOut">
               <a:rPr lang="en-US" smtClean="0"/>
-              <a:t>10/28/2021</a:t>
+              <a:t>10/30/2021</a:t>
             </a:fld>
             <a:endParaRPr lang="en-US"/>
           </a:p>
@@ -4414,7 +4414,7 @@
           <a:p>
             <a:fld id="{0E5CD31E-43F3-40B0-B003-1CA31CA895B5}" type="datetimeFigureOut">
               <a:rPr lang="en-US" smtClean="0"/>
-              <a:t>10/28/2021</a:t>
+              <a:t>10/30/2021</a:t>
             </a:fld>
             <a:endParaRPr lang="en-US"/>
           </a:p>
@@ -4801,7 +4801,7 @@
           <a:p>
             <a:fld id="{0E5CD31E-43F3-40B0-B003-1CA31CA895B5}" type="datetimeFigureOut">
               <a:rPr lang="en-US" smtClean="0"/>
-              <a:t>10/28/2021</a:t>
+              <a:t>10/30/2021</a:t>
             </a:fld>
             <a:endParaRPr lang="en-US"/>
           </a:p>
@@ -5088,7 +5088,7 @@
           <a:p>
             <a:fld id="{0E5CD31E-43F3-40B0-B003-1CA31CA895B5}" type="datetimeFigureOut">
               <a:rPr lang="en-US" smtClean="0"/>
-              <a:t>10/28/2021</a:t>
+              <a:t>10/30/2021</a:t>
             </a:fld>
             <a:endParaRPr lang="en-US"/>
           </a:p>
@@ -13092,7 +13092,7 @@
         <p:spPr>
           <a:xfrm>
             <a:off x="1044368" y="1540775"/>
-            <a:ext cx="3710514" cy="5062924"/>
+            <a:ext cx="3710514" cy="4016484"/>
           </a:xfrm>
           <a:prstGeom prst="rect">
             <a:avLst/>
@@ -13312,92 +13312,18 @@
           </a:p>
           <a:p>
             <a:r>
-              <a:rPr lang="en-US" sz="1700" dirty="0">
-                <a:latin typeface="Courier New" panose="02070309020205020404" pitchFamily="49" charset="0"/>
-                <a:cs typeface="Courier New" panose="02070309020205020404" pitchFamily="49" charset="0"/>
-              </a:rPr>
-              <a:t> </a:t>
-            </a:r>
-            <a:r>
               <a:rPr lang="en-US" sz="1700" dirty="0" smtClean="0">
                 <a:latin typeface="Courier New" panose="02070309020205020404" pitchFamily="49" charset="0"/>
                 <a:cs typeface="Courier New" panose="02070309020205020404" pitchFamily="49" charset="0"/>
               </a:rPr>
-              <a:t> case R_PAREN:</a:t>
-            </a:r>
-          </a:p>
-          <a:p>
-            <a:r>
-              <a:rPr lang="en-US" sz="1700" dirty="0">
-                <a:latin typeface="Courier New" panose="02070309020205020404" pitchFamily="49" charset="0"/>
-                <a:cs typeface="Courier New" panose="02070309020205020404" pitchFamily="49" charset="0"/>
-              </a:rPr>
-              <a:t> </a:t>
+              <a:t>  default</a:t>
             </a:r>
             <a:r>
               <a:rPr lang="en-US" sz="1700" dirty="0" smtClean="0">
                 <a:latin typeface="Courier New" panose="02070309020205020404" pitchFamily="49" charset="0"/>
                 <a:cs typeface="Courier New" panose="02070309020205020404" pitchFamily="49" charset="0"/>
               </a:rPr>
-              <a:t> case R_BRACKET:</a:t>
-            </a:r>
-          </a:p>
-          <a:p>
-            <a:r>
-              <a:rPr lang="en-US" sz="1700" dirty="0">
-                <a:latin typeface="Courier New" panose="02070309020205020404" pitchFamily="49" charset="0"/>
-                <a:cs typeface="Courier New" panose="02070309020205020404" pitchFamily="49" charset="0"/>
-              </a:rPr>
-              <a:t> </a:t>
-            </a:r>
-            <a:r>
-              <a:rPr lang="en-US" sz="1700" dirty="0" smtClean="0">
-                <a:latin typeface="Courier New" panose="02070309020205020404" pitchFamily="49" charset="0"/>
-                <a:cs typeface="Courier New" panose="02070309020205020404" pitchFamily="49" charset="0"/>
-              </a:rPr>
-              <a:t> case R_BRACE:</a:t>
-            </a:r>
-          </a:p>
-          <a:p>
-            <a:r>
-              <a:rPr lang="en-US" sz="1700" dirty="0">
-                <a:latin typeface="Courier New" panose="02070309020205020404" pitchFamily="49" charset="0"/>
-                <a:cs typeface="Courier New" panose="02070309020205020404" pitchFamily="49" charset="0"/>
-              </a:rPr>
-              <a:t> </a:t>
-            </a:r>
-            <a:r>
-              <a:rPr lang="en-US" sz="1700" dirty="0" smtClean="0">
-                <a:latin typeface="Courier New" panose="02070309020205020404" pitchFamily="49" charset="0"/>
-                <a:cs typeface="Courier New" panose="02070309020205020404" pitchFamily="49" charset="0"/>
-              </a:rPr>
-              <a:t>   </a:t>
-            </a:r>
-            <a:r>
-              <a:rPr lang="en-US" sz="1700" b="1" dirty="0" smtClean="0">
-                <a:solidFill>
-                  <a:srgbClr val="C00000"/>
-                </a:solidFill>
-                <a:latin typeface="Courier New" panose="02070309020205020404" pitchFamily="49" charset="0"/>
-                <a:cs typeface="Courier New" panose="02070309020205020404" pitchFamily="49" charset="0"/>
-              </a:rPr>
-              <a:t>//error</a:t>
-            </a:r>
-            <a:endParaRPr lang="en-US" sz="1700" b="1" dirty="0" smtClean="0">
-              <a:solidFill>
-                <a:srgbClr val="C00000"/>
-              </a:solidFill>
-              <a:latin typeface="Courier New" panose="02070309020205020404" pitchFamily="49" charset="0"/>
-              <a:cs typeface="Courier New" panose="02070309020205020404" pitchFamily="49" charset="0"/>
-            </a:endParaRPr>
-          </a:p>
-          <a:p>
-            <a:r>
-              <a:rPr lang="en-US" sz="1700" dirty="0" smtClean="0">
-                <a:latin typeface="Courier New" panose="02070309020205020404" pitchFamily="49" charset="0"/>
-                <a:cs typeface="Courier New" panose="02070309020205020404" pitchFamily="49" charset="0"/>
-              </a:rPr>
-              <a:t>  default:</a:t>
+              <a:t>:</a:t>
             </a:r>
           </a:p>
           <a:p>
@@ -35178,8 +35104,8 @@
           </a:p>
         </p:txBody>
       </p:sp>
-      <mc:AlternateContent xmlns:mc="http://schemas.openxmlformats.org/markup-compatibility/2006">
-        <mc:Choice xmlns:a14="http://schemas.microsoft.com/office/drawing/2010/main" Requires="a14">
+      <mc:AlternateContent xmlns:mc="http://schemas.openxmlformats.org/markup-compatibility/2006" xmlns:a14="http://schemas.microsoft.com/office/drawing/2010/main">
+        <mc:Choice Requires="a14">
           <p:sp>
             <p:nvSpPr>
               <p:cNvPr id="5" name="TextBox 4"/>
@@ -35232,13 +35158,7 @@
                       <a:rPr lang="en-US" sz="2800" b="0" i="1" smtClean="0">
                         <a:latin typeface="Cambria Math" panose="02040503050406030204" pitchFamily="18" charset="0"/>
                       </a:rPr>
-                      <m:t>𝑇</m:t>
-                    </m:r>
-                    <m:r>
-                      <a:rPr lang="en-US" sz="2800" b="0" i="1" smtClean="0">
-                        <a:latin typeface="Cambria Math" panose="02040503050406030204" pitchFamily="18" charset="0"/>
-                      </a:rPr>
-                      <m:t>𝑎𝑏</m:t>
+                      <m:t>𝑇𝑎𝑏</m:t>
                     </m:r>
                   </m:oMath>
                 </a14:m>
@@ -35320,7 +35240,7 @@
             </p:txBody>
           </p:sp>
         </mc:Choice>
-        <mc:Fallback>
+        <mc:Fallback xmlns="">
           <p:sp>
             <p:nvSpPr>
               <p:cNvPr id="5" name="TextBox 4"/>
@@ -35436,8 +35356,8 @@
           </a:p>
         </p:txBody>
       </p:sp>
-      <mc:AlternateContent xmlns:mc="http://schemas.openxmlformats.org/markup-compatibility/2006">
-        <mc:Choice xmlns:a14="http://schemas.microsoft.com/office/drawing/2010/main" Requires="a14">
+      <mc:AlternateContent xmlns:mc="http://schemas.openxmlformats.org/markup-compatibility/2006" xmlns:a14="http://schemas.microsoft.com/office/drawing/2010/main">
+        <mc:Choice Requires="a14">
           <p:sp>
             <p:nvSpPr>
               <p:cNvPr id="5" name="TextBox 4"/>
@@ -35490,13 +35410,7 @@
                       <a:rPr lang="en-US" sz="2800" b="0" i="1" smtClean="0">
                         <a:latin typeface="Cambria Math" panose="02040503050406030204" pitchFamily="18" charset="0"/>
                       </a:rPr>
-                      <m:t>𝑇</m:t>
-                    </m:r>
-                    <m:r>
-                      <a:rPr lang="en-US" sz="2800" b="0" i="1" smtClean="0">
-                        <a:latin typeface="Cambria Math" panose="02040503050406030204" pitchFamily="18" charset="0"/>
-                      </a:rPr>
-                      <m:t>𝑎𝑏</m:t>
+                      <m:t>𝑇𝑎𝑏</m:t>
                     </m:r>
                   </m:oMath>
                 </a14:m>
@@ -35591,7 +35505,7 @@
             </p:txBody>
           </p:sp>
         </mc:Choice>
-        <mc:Fallback>
+        <mc:Fallback xmlns="">
           <p:sp>
             <p:nvSpPr>
               <p:cNvPr id="5" name="TextBox 4"/>
@@ -35761,13 +35675,7 @@
                       <a:rPr lang="en-US" sz="2800" b="0" i="1" smtClean="0">
                         <a:latin typeface="Cambria Math" panose="02040503050406030204" pitchFamily="18" charset="0"/>
                       </a:rPr>
-                      <m:t>𝑇</m:t>
-                    </m:r>
-                    <m:r>
-                      <a:rPr lang="en-US" sz="2800" b="0" i="1" smtClean="0">
-                        <a:latin typeface="Cambria Math" panose="02040503050406030204" pitchFamily="18" charset="0"/>
-                      </a:rPr>
-                      <m:t>𝑎𝑏</m:t>
+                      <m:t>𝑇𝑎𝑏</m:t>
                     </m:r>
                   </m:oMath>
                 </a14:m>
@@ -35868,7 +35776,7 @@
                       <a:rPr lang="en-US" sz="2800" b="0" i="1" smtClean="0">
                         <a:latin typeface="Cambria Math" panose="02040503050406030204" pitchFamily="18" charset="0"/>
                       </a:rPr>
-                      <m:t>𝐴</m:t>
+                      <m:t>𝑇</m:t>
                     </m:r>
                     <m:r>
                       <a:rPr lang="en-US" sz="2800" i="1">
@@ -35936,10 +35844,10 @@
                 <a14:m>
                   <m:oMath xmlns:m="http://schemas.openxmlformats.org/officeDocument/2006/math">
                     <m:r>
-                      <a:rPr lang="en-US" sz="2800" i="1">
-                        <a:latin typeface="Cambria Math" panose="02040503050406030204" pitchFamily="18" charset="0"/>
-                      </a:rPr>
-                      <m:t>𝐴</m:t>
+                      <a:rPr lang="en-US" sz="2800" b="0" i="1" smtClean="0">
+                        <a:latin typeface="Cambria Math" panose="02040503050406030204" pitchFamily="18" charset="0"/>
+                      </a:rPr>
+                      <m:t>𝑇</m:t>
                     </m:r>
                     <m:r>
                       <a:rPr lang="en-US" sz="2800" i="1">
@@ -36116,8 +36024,8 @@
           </a:p>
         </p:txBody>
       </p:sp>
-      <mc:AlternateContent xmlns:mc="http://schemas.openxmlformats.org/markup-compatibility/2006">
-        <mc:Choice xmlns:a14="http://schemas.microsoft.com/office/drawing/2010/main" Requires="a14">
+      <mc:AlternateContent xmlns:mc="http://schemas.openxmlformats.org/markup-compatibility/2006" xmlns:a14="http://schemas.microsoft.com/office/drawing/2010/main">
+        <mc:Choice Requires="a14">
           <p:sp>
             <p:nvSpPr>
               <p:cNvPr id="5" name="TextBox 4"/>
@@ -36203,13 +36111,7 @@
                       <a:rPr lang="en-US" sz="2800" b="0" i="1" smtClean="0">
                         <a:latin typeface="Cambria Math" panose="02040503050406030204" pitchFamily="18" charset="0"/>
                       </a:rPr>
-                      <m:t>𝑇</m:t>
-                    </m:r>
-                    <m:r>
-                      <a:rPr lang="en-US" sz="2800" b="0" i="1" smtClean="0">
-                        <a:latin typeface="Cambria Math" panose="02040503050406030204" pitchFamily="18" charset="0"/>
-                      </a:rPr>
-                      <m:t>𝑎𝑏</m:t>
+                      <m:t>𝑇𝑎𝑏</m:t>
                     </m:r>
                   </m:oMath>
                 </a14:m>
@@ -36362,7 +36264,7 @@
             </p:txBody>
           </p:sp>
         </mc:Choice>
-        <mc:Fallback>
+        <mc:Fallback xmlns="">
           <p:sp>
             <p:nvSpPr>
               <p:cNvPr id="5" name="TextBox 4"/>

--- a/slides/top_down_parsing.pptx
+++ b/slides/top_down_parsing.pptx
@@ -49,35 +49,35 @@
     <p:sldId id="453" r:id="rId40"/>
     <p:sldId id="454" r:id="rId41"/>
     <p:sldId id="455" r:id="rId42"/>
-    <p:sldId id="456" r:id="rId43"/>
-    <p:sldId id="457" r:id="rId44"/>
-    <p:sldId id="458" r:id="rId45"/>
-    <p:sldId id="459" r:id="rId46"/>
-    <p:sldId id="460" r:id="rId47"/>
-    <p:sldId id="461" r:id="rId48"/>
-    <p:sldId id="463" r:id="rId49"/>
-    <p:sldId id="464" r:id="rId50"/>
-    <p:sldId id="466" r:id="rId51"/>
-    <p:sldId id="486" r:id="rId52"/>
-    <p:sldId id="487" r:id="rId53"/>
-    <p:sldId id="491" r:id="rId54"/>
-    <p:sldId id="488" r:id="rId55"/>
-    <p:sldId id="489" r:id="rId56"/>
-    <p:sldId id="490" r:id="rId57"/>
-    <p:sldId id="492" r:id="rId58"/>
-    <p:sldId id="493" r:id="rId59"/>
-    <p:sldId id="467" r:id="rId60"/>
-    <p:sldId id="469" r:id="rId61"/>
-    <p:sldId id="470" r:id="rId62"/>
-    <p:sldId id="471" r:id="rId63"/>
-    <p:sldId id="473" r:id="rId64"/>
-    <p:sldId id="474" r:id="rId65"/>
-    <p:sldId id="475" r:id="rId66"/>
-    <p:sldId id="476" r:id="rId67"/>
-    <p:sldId id="477" r:id="rId68"/>
-    <p:sldId id="478" r:id="rId69"/>
-    <p:sldId id="479" r:id="rId70"/>
-    <p:sldId id="480" r:id="rId71"/>
+    <p:sldId id="508" r:id="rId43"/>
+    <p:sldId id="456" r:id="rId44"/>
+    <p:sldId id="457" r:id="rId45"/>
+    <p:sldId id="458" r:id="rId46"/>
+    <p:sldId id="459" r:id="rId47"/>
+    <p:sldId id="460" r:id="rId48"/>
+    <p:sldId id="461" r:id="rId49"/>
+    <p:sldId id="463" r:id="rId50"/>
+    <p:sldId id="464" r:id="rId51"/>
+    <p:sldId id="466" r:id="rId52"/>
+    <p:sldId id="486" r:id="rId53"/>
+    <p:sldId id="487" r:id="rId54"/>
+    <p:sldId id="491" r:id="rId55"/>
+    <p:sldId id="488" r:id="rId56"/>
+    <p:sldId id="489" r:id="rId57"/>
+    <p:sldId id="490" r:id="rId58"/>
+    <p:sldId id="492" r:id="rId59"/>
+    <p:sldId id="493" r:id="rId60"/>
+    <p:sldId id="467" r:id="rId61"/>
+    <p:sldId id="469" r:id="rId62"/>
+    <p:sldId id="470" r:id="rId63"/>
+    <p:sldId id="471" r:id="rId64"/>
+    <p:sldId id="473" r:id="rId65"/>
+    <p:sldId id="474" r:id="rId66"/>
+    <p:sldId id="475" r:id="rId67"/>
+    <p:sldId id="476" r:id="rId68"/>
+    <p:sldId id="477" r:id="rId69"/>
+    <p:sldId id="478" r:id="rId70"/>
+    <p:sldId id="479" r:id="rId71"/>
     <p:sldId id="481" r:id="rId72"/>
     <p:sldId id="482" r:id="rId73"/>
   </p:sldIdLst>
@@ -268,7 +268,7 @@
           <a:p>
             <a:fld id="{912166FD-9A85-48B8-B5C8-1A087ED81368}" type="datetimeFigureOut">
               <a:rPr lang="en-US" smtClean="0"/>
-              <a:t>10/30/2021</a:t>
+              <a:t>11/9/2022</a:t>
             </a:fld>
             <a:endParaRPr lang="en-US"/>
           </a:p>
@@ -2106,7 +2106,7 @@
           <a:p>
             <a:fld id="{0E5CD31E-43F3-40B0-B003-1CA31CA895B5}" type="datetimeFigureOut">
               <a:rPr lang="en-US" smtClean="0"/>
-              <a:t>10/30/2021</a:t>
+              <a:t>11/9/2022</a:t>
             </a:fld>
             <a:endParaRPr lang="en-US"/>
           </a:p>
@@ -2319,7 +2319,7 @@
           <a:p>
             <a:fld id="{0E5CD31E-43F3-40B0-B003-1CA31CA895B5}" type="datetimeFigureOut">
               <a:rPr lang="en-US" smtClean="0"/>
-              <a:t>10/30/2021</a:t>
+              <a:t>11/9/2022</a:t>
             </a:fld>
             <a:endParaRPr lang="en-US"/>
           </a:p>
@@ -2575,7 +2575,7 @@
           <a:p>
             <a:fld id="{0E5CD31E-43F3-40B0-B003-1CA31CA895B5}" type="datetimeFigureOut">
               <a:rPr lang="en-US" smtClean="0"/>
-              <a:t>10/30/2021</a:t>
+              <a:t>11/9/2022</a:t>
             </a:fld>
             <a:endParaRPr lang="en-US"/>
           </a:p>
@@ -2754,7 +2754,7 @@
           <a:p>
             <a:fld id="{0E5CD31E-43F3-40B0-B003-1CA31CA895B5}" type="datetimeFigureOut">
               <a:rPr lang="en-US" smtClean="0"/>
-              <a:t>10/30/2021</a:t>
+              <a:t>11/9/2022</a:t>
             </a:fld>
             <a:endParaRPr lang="en-US"/>
           </a:p>
@@ -3097,7 +3097,7 @@
           <a:p>
             <a:fld id="{0E5CD31E-43F3-40B0-B003-1CA31CA895B5}" type="datetimeFigureOut">
               <a:rPr lang="en-US" smtClean="0"/>
-              <a:t>10/30/2021</a:t>
+              <a:t>11/9/2022</a:t>
             </a:fld>
             <a:endParaRPr lang="en-US"/>
           </a:p>
@@ -3377,7 +3377,7 @@
           <a:p>
             <a:fld id="{0E5CD31E-43F3-40B0-B003-1CA31CA895B5}" type="datetimeFigureOut">
               <a:rPr lang="en-US" smtClean="0"/>
-              <a:t>10/30/2021</a:t>
+              <a:t>11/9/2022</a:t>
             </a:fld>
             <a:endParaRPr lang="en-US"/>
           </a:p>
@@ -3761,7 +3761,7 @@
           <a:p>
             <a:fld id="{0E5CD31E-43F3-40B0-B003-1CA31CA895B5}" type="datetimeFigureOut">
               <a:rPr lang="en-US" smtClean="0"/>
-              <a:t>10/30/2021</a:t>
+              <a:t>11/9/2022</a:t>
             </a:fld>
             <a:endParaRPr lang="en-US"/>
           </a:p>
@@ -3884,7 +3884,7 @@
           <a:p>
             <a:fld id="{0E5CD31E-43F3-40B0-B003-1CA31CA895B5}" type="datetimeFigureOut">
               <a:rPr lang="en-US" smtClean="0"/>
-              <a:t>10/30/2021</a:t>
+              <a:t>11/9/2022</a:t>
             </a:fld>
             <a:endParaRPr lang="en-US"/>
           </a:p>
@@ -4055,7 +4055,7 @@
           <a:p>
             <a:fld id="{0E5CD31E-43F3-40B0-B003-1CA31CA895B5}" type="datetimeFigureOut">
               <a:rPr lang="en-US" smtClean="0"/>
-              <a:t>10/30/2021</a:t>
+              <a:t>11/9/2022</a:t>
             </a:fld>
             <a:endParaRPr lang="en-US"/>
           </a:p>
@@ -4414,7 +4414,7 @@
           <a:p>
             <a:fld id="{0E5CD31E-43F3-40B0-B003-1CA31CA895B5}" type="datetimeFigureOut">
               <a:rPr lang="en-US" smtClean="0"/>
-              <a:t>10/30/2021</a:t>
+              <a:t>11/9/2022</a:t>
             </a:fld>
             <a:endParaRPr lang="en-US"/>
           </a:p>
@@ -4801,7 +4801,7 @@
           <a:p>
             <a:fld id="{0E5CD31E-43F3-40B0-B003-1CA31CA895B5}" type="datetimeFigureOut">
               <a:rPr lang="en-US" smtClean="0"/>
-              <a:t>10/30/2021</a:t>
+              <a:t>11/9/2022</a:t>
             </a:fld>
             <a:endParaRPr lang="en-US"/>
           </a:p>
@@ -5088,7 +5088,7 @@
           <a:p>
             <a:fld id="{0E5CD31E-43F3-40B0-B003-1CA31CA895B5}" type="datetimeFigureOut">
               <a:rPr lang="en-US" smtClean="0"/>
-              <a:t>10/30/2021</a:t>
+              <a:t>11/9/2022</a:t>
             </a:fld>
             <a:endParaRPr lang="en-US"/>
           </a:p>
@@ -13316,14 +13316,7 @@
                 <a:latin typeface="Courier New" panose="02070309020205020404" pitchFamily="49" charset="0"/>
                 <a:cs typeface="Courier New" panose="02070309020205020404" pitchFamily="49" charset="0"/>
               </a:rPr>
-              <a:t>  default</a:t>
-            </a:r>
-            <a:r>
-              <a:rPr lang="en-US" sz="1700" dirty="0" smtClean="0">
-                <a:latin typeface="Courier New" panose="02070309020205020404" pitchFamily="49" charset="0"/>
-                <a:cs typeface="Courier New" panose="02070309020205020404" pitchFamily="49" charset="0"/>
-              </a:rPr>
-              <a:t>:</a:t>
+              <a:t>  default:</a:t>
             </a:r>
           </a:p>
           <a:p>
@@ -15012,198 +15005,51 @@
           </a:p>
         </p:txBody>
       </p:sp>
-      <mc:AlternateContent xmlns:mc="http://schemas.openxmlformats.org/markup-compatibility/2006" xmlns:a14="http://schemas.microsoft.com/office/drawing/2010/main">
-        <mc:Choice Requires="a14">
-          <p:sp>
-            <p:nvSpPr>
-              <p:cNvPr id="5" name="TextBox 4"/>
-              <p:cNvSpPr txBox="1"/>
-              <p:nvPr/>
-            </p:nvSpPr>
-            <p:spPr>
-              <a:xfrm>
-                <a:off x="1011115" y="1529866"/>
-                <a:ext cx="10137964" cy="2677656"/>
-              </a:xfrm>
-              <a:prstGeom prst="rect">
-                <a:avLst/>
-              </a:prstGeom>
-              <a:noFill/>
-            </p:spPr>
-            <p:txBody>
-              <a:bodyPr wrap="square" rtlCol="0">
-                <a:spAutoFit/>
-              </a:bodyPr>
-              <a:lstStyle/>
-              <a:p>
-                <a:r>
-                  <a:rPr lang="en-US" sz="2800" dirty="0" smtClean="0">
-                    <a:latin typeface="+mj-lt"/>
-                  </a:rPr>
-                  <a:t>There is no predictive parser which can handle the previous CFG</a:t>
-                </a:r>
-              </a:p>
-              <a:p>
-                <a:endParaRPr lang="en-US" sz="2800" dirty="0" smtClean="0"/>
-              </a:p>
-              <a:p>
-                <a:r>
-                  <a:rPr lang="en-US" sz="2800" dirty="0" smtClean="0"/>
-                  <a:t>Why?</a:t>
-                </a:r>
-                <a:endParaRPr lang="en-US" sz="2800" dirty="0"/>
-              </a:p>
-              <a:p>
-                <a:pPr marL="742950" lvl="1" indent="-285750">
-                  <a:buFont typeface="Arial" panose="020B0604020202020204" pitchFamily="34" charset="0"/>
-                  <a:buChar char="•"/>
-                </a:pPr>
-                <a:r>
-                  <a:rPr lang="en-US" sz="2800" dirty="0" smtClean="0">
-                    <a:latin typeface="+mj-lt"/>
-                  </a:rPr>
-                  <a:t>If the first token was 5, we can’t predict the right rule</a:t>
-                </a:r>
-              </a:p>
-              <a:p>
-                <a:pPr marL="742950" lvl="1" indent="-285750">
-                  <a:buFont typeface="Arial" panose="020B0604020202020204" pitchFamily="34" charset="0"/>
-                  <a:buChar char="•"/>
-                </a:pPr>
-                <a:r>
-                  <a:rPr lang="en-US" sz="2800" dirty="0" smtClean="0">
-                    <a:latin typeface="+mj-lt"/>
-                  </a:rPr>
-                  <a:t>It can be 5 (</a:t>
-                </a:r>
-                <a14:m>
-                  <m:oMath xmlns:m="http://schemas.openxmlformats.org/officeDocument/2006/math">
-                    <m:r>
-                      <a:rPr lang="en-US" sz="2800" b="0" i="1" smtClean="0">
-                        <a:latin typeface="Cambria Math" panose="02040503050406030204" pitchFamily="18" charset="0"/>
-                      </a:rPr>
-                      <m:t>𝑆</m:t>
-                    </m:r>
-                    <m:r>
-                      <a:rPr lang="en-US" sz="2800" b="0" i="1" smtClean="0">
-                        <a:latin typeface="Cambria Math" panose="02040503050406030204" pitchFamily="18" charset="0"/>
-                      </a:rPr>
-                      <m:t>→</m:t>
-                    </m:r>
-                    <m:r>
-                      <a:rPr lang="en-US" sz="2800" b="0" i="1" smtClean="0">
-                        <a:latin typeface="Cambria Math" panose="02040503050406030204" pitchFamily="18" charset="0"/>
-                      </a:rPr>
-                      <m:t>𝑁</m:t>
-                    </m:r>
-                  </m:oMath>
-                </a14:m>
-                <a:r>
-                  <a:rPr lang="en-US" sz="2800" dirty="0" smtClean="0">
-                    <a:latin typeface="+mj-lt"/>
-                  </a:rPr>
-                  <a:t>)</a:t>
-                </a:r>
-              </a:p>
-              <a:p>
-                <a:pPr marL="742950" lvl="1" indent="-285750">
-                  <a:buFont typeface="Arial" panose="020B0604020202020204" pitchFamily="34" charset="0"/>
-                  <a:buChar char="•"/>
-                </a:pPr>
-                <a:r>
-                  <a:rPr lang="en-US" sz="2800" dirty="0" smtClean="0">
-                    <a:latin typeface="+mj-lt"/>
-                  </a:rPr>
-                  <a:t>But also can be 5+8 </a:t>
-                </a:r>
-                <a:r>
-                  <a:rPr lang="en-US" sz="2800" dirty="0"/>
-                  <a:t>(</a:t>
-                </a:r>
-                <a14:m>
-                  <m:oMath xmlns:m="http://schemas.openxmlformats.org/officeDocument/2006/math">
-                    <m:r>
-                      <a:rPr lang="en-US" sz="2800" i="1">
-                        <a:latin typeface="Cambria Math" panose="02040503050406030204" pitchFamily="18" charset="0"/>
-                      </a:rPr>
-                      <m:t>𝑆</m:t>
-                    </m:r>
-                    <m:r>
-                      <a:rPr lang="en-US" sz="2800" i="1">
-                        <a:latin typeface="Cambria Math" panose="02040503050406030204" pitchFamily="18" charset="0"/>
-                      </a:rPr>
-                      <m:t>→</m:t>
-                    </m:r>
-                    <m:r>
-                      <a:rPr lang="en-US" sz="2800" b="0" i="1" smtClean="0">
-                        <a:latin typeface="Cambria Math" panose="02040503050406030204" pitchFamily="18" charset="0"/>
-                      </a:rPr>
-                      <m:t>𝑆</m:t>
-                    </m:r>
-                    <m:r>
-                      <a:rPr lang="en-US" sz="2800" b="0" i="1" smtClean="0">
-                        <a:latin typeface="Cambria Math" panose="02040503050406030204" pitchFamily="18" charset="0"/>
-                      </a:rPr>
-                      <m:t>+</m:t>
-                    </m:r>
-                    <m:r>
-                      <a:rPr lang="en-US" sz="2800" b="0" i="1" smtClean="0">
-                        <a:latin typeface="Cambria Math" panose="02040503050406030204" pitchFamily="18" charset="0"/>
-                      </a:rPr>
-                      <m:t>𝑆</m:t>
-                    </m:r>
-                  </m:oMath>
-                </a14:m>
-                <a:r>
-                  <a:rPr lang="en-US" sz="2800" dirty="0" smtClean="0"/>
-                  <a:t>)</a:t>
-                </a:r>
-                <a:endParaRPr lang="en-US" sz="2800" dirty="0">
-                  <a:latin typeface="+mj-lt"/>
-                </a:endParaRPr>
-              </a:p>
-            </p:txBody>
-          </p:sp>
-        </mc:Choice>
-        <mc:Fallback xmlns="">
-          <p:sp>
-            <p:nvSpPr>
-              <p:cNvPr id="5" name="TextBox 4"/>
-              <p:cNvSpPr txBox="1">
-                <a:spLocks noRot="1" noChangeAspect="1" noMove="1" noResize="1" noEditPoints="1" noAdjustHandles="1" noChangeArrowheads="1" noChangeShapeType="1" noTextEdit="1"/>
-              </p:cNvSpPr>
-              <p:nvPr/>
-            </p:nvSpPr>
-            <p:spPr>
-              <a:xfrm>
-                <a:off x="1011115" y="1529866"/>
-                <a:ext cx="10137964" cy="2677656"/>
-              </a:xfrm>
-              <a:prstGeom prst="rect">
-                <a:avLst/>
-              </a:prstGeom>
-              <a:blipFill>
-                <a:blip r:embed="rId2"/>
-                <a:stretch>
-                  <a:fillRect l="-1263" t="-2278" b="-5695"/>
-                </a:stretch>
-              </a:blipFill>
-            </p:spPr>
-            <p:txBody>
-              <a:bodyPr/>
-              <a:lstStyle/>
-              <a:p>
-                <a:r>
-                  <a:rPr lang="en-US">
-                    <a:noFill/>
-                  </a:rPr>
-                  <a:t> </a:t>
-                </a:r>
-              </a:p>
-            </p:txBody>
-          </p:sp>
-        </mc:Fallback>
-      </mc:AlternateContent>
+      <p:sp>
+        <p:nvSpPr>
+          <p:cNvPr id="5" name="TextBox 4"/>
+          <p:cNvSpPr txBox="1"/>
+          <p:nvPr/>
+        </p:nvSpPr>
+        <p:spPr>
+          <a:xfrm>
+            <a:off x="1011115" y="1529866"/>
+            <a:ext cx="10137964" cy="1384995"/>
+          </a:xfrm>
+          <a:prstGeom prst="rect">
+            <a:avLst/>
+          </a:prstGeom>
+          <a:noFill/>
+        </p:spPr>
+        <p:txBody>
+          <a:bodyPr wrap="square" rtlCol="0">
+            <a:spAutoFit/>
+          </a:bodyPr>
+          <a:lstStyle/>
+          <a:p>
+            <a:r>
+              <a:rPr lang="en-US" sz="2800" dirty="0" smtClean="0">
+                <a:latin typeface="+mj-lt"/>
+              </a:rPr>
+              <a:t>There is no predictive parser which can handle the previous CFG</a:t>
+            </a:r>
+          </a:p>
+          <a:p>
+            <a:endParaRPr lang="en-US" sz="2800" dirty="0" smtClean="0"/>
+          </a:p>
+          <a:p>
+            <a:r>
+              <a:rPr lang="en-US" sz="2800" dirty="0" smtClean="0"/>
+              <a:t>Why</a:t>
+            </a:r>
+            <a:r>
+              <a:rPr lang="en-US" sz="2800" dirty="0" smtClean="0"/>
+              <a:t>?</a:t>
+            </a:r>
+            <a:endParaRPr lang="en-US" sz="2800" dirty="0"/>
+          </a:p>
+        </p:txBody>
+      </p:sp>
     </p:spTree>
     <p:extLst>
       <p:ext uri="{BB962C8B-B14F-4D97-AF65-F5344CB8AC3E}">
@@ -15225,6 +15071,293 @@
 </file>
 
 <file path=ppt/slides/slide42.xml><?xml version="1.0" encoding="utf-8"?>
+<p:sld xmlns:a="http://schemas.openxmlformats.org/drawingml/2006/main" xmlns:r="http://schemas.openxmlformats.org/officeDocument/2006/relationships" xmlns:p="http://schemas.openxmlformats.org/presentationml/2006/main" showMasterSp="0">
+  <p:cSld>
+    <p:spTree>
+      <p:nvGrpSpPr>
+        <p:cNvPr id="1" name=""/>
+        <p:cNvGrpSpPr/>
+        <p:nvPr/>
+      </p:nvGrpSpPr>
+      <p:grpSpPr>
+        <a:xfrm>
+          <a:off x="0" y="0"/>
+          <a:ext cx="0" cy="0"/>
+          <a:chOff x="0" y="0"/>
+          <a:chExt cx="0" cy="0"/>
+        </a:xfrm>
+      </p:grpSpPr>
+      <p:sp>
+        <p:nvSpPr>
+          <p:cNvPr id="4" name="TextBox 3"/>
+          <p:cNvSpPr txBox="1"/>
+          <p:nvPr/>
+        </p:nvSpPr>
+        <p:spPr>
+          <a:xfrm>
+            <a:off x="1011115" y="668215"/>
+            <a:ext cx="10137964" cy="830997"/>
+          </a:xfrm>
+          <a:prstGeom prst="rect">
+            <a:avLst/>
+          </a:prstGeom>
+          <a:noFill/>
+        </p:spPr>
+        <p:txBody>
+          <a:bodyPr wrap="square" rtlCol="0">
+            <a:spAutoFit/>
+          </a:bodyPr>
+          <a:lstStyle/>
+          <a:p>
+            <a:r>
+              <a:rPr lang="en-US" sz="4800" dirty="0" smtClean="0">
+                <a:latin typeface="+mj-lt"/>
+              </a:rPr>
+              <a:t>Left Recursion</a:t>
+            </a:r>
+            <a:endParaRPr lang="en-US" sz="4800" dirty="0">
+              <a:latin typeface="+mj-lt"/>
+            </a:endParaRPr>
+          </a:p>
+        </p:txBody>
+      </p:sp>
+      <p:sp>
+        <p:nvSpPr>
+          <p:cNvPr id="5" name="TextBox 4"/>
+          <p:cNvSpPr txBox="1"/>
+          <p:nvPr/>
+        </p:nvSpPr>
+        <p:spPr>
+          <a:xfrm>
+            <a:off x="1011115" y="1529866"/>
+            <a:ext cx="10137964" cy="1384995"/>
+          </a:xfrm>
+          <a:prstGeom prst="rect">
+            <a:avLst/>
+          </a:prstGeom>
+          <a:noFill/>
+        </p:spPr>
+        <p:txBody>
+          <a:bodyPr wrap="square" rtlCol="0">
+            <a:spAutoFit/>
+          </a:bodyPr>
+          <a:lstStyle/>
+          <a:p>
+            <a:r>
+              <a:rPr lang="en-US" sz="2800" dirty="0" smtClean="0">
+                <a:latin typeface="+mj-lt"/>
+              </a:rPr>
+              <a:t>There is no predictive parser which can handle the previous CFG</a:t>
+            </a:r>
+          </a:p>
+          <a:p>
+            <a:endParaRPr lang="en-US" sz="2800" dirty="0" smtClean="0"/>
+          </a:p>
+          <a:p>
+            <a:r>
+              <a:rPr lang="en-US" sz="2800" dirty="0" smtClean="0"/>
+              <a:t>Why</a:t>
+            </a:r>
+            <a:r>
+              <a:rPr lang="en-US" sz="2800" dirty="0" smtClean="0"/>
+              <a:t>?</a:t>
+            </a:r>
+            <a:endParaRPr lang="en-US" sz="2800" dirty="0"/>
+          </a:p>
+        </p:txBody>
+      </p:sp>
+      <p:sp>
+        <p:nvSpPr>
+          <p:cNvPr id="6" name="TextBox 5"/>
+          <p:cNvSpPr txBox="1"/>
+          <p:nvPr/>
+        </p:nvSpPr>
+        <p:spPr>
+          <a:xfrm>
+            <a:off x="1011115" y="3170069"/>
+            <a:ext cx="3710514" cy="1923604"/>
+          </a:xfrm>
+          <a:prstGeom prst="rect">
+            <a:avLst/>
+          </a:prstGeom>
+          <a:noFill/>
+        </p:spPr>
+        <p:txBody>
+          <a:bodyPr wrap="square" rtlCol="0">
+            <a:spAutoFit/>
+          </a:bodyPr>
+          <a:lstStyle/>
+          <a:p>
+            <a:r>
+              <a:rPr lang="en-US" sz="1700" dirty="0">
+                <a:latin typeface="Courier New" panose="02070309020205020404" pitchFamily="49" charset="0"/>
+                <a:cs typeface="Courier New" panose="02070309020205020404" pitchFamily="49" charset="0"/>
+              </a:rPr>
+              <a:t>v</a:t>
+            </a:r>
+            <a:r>
+              <a:rPr lang="en-US" sz="1700" dirty="0" smtClean="0">
+                <a:latin typeface="Courier New" panose="02070309020205020404" pitchFamily="49" charset="0"/>
+                <a:cs typeface="Courier New" panose="02070309020205020404" pitchFamily="49" charset="0"/>
+              </a:rPr>
+              <a:t>oid </a:t>
+            </a:r>
+            <a:r>
+              <a:rPr lang="en-US" sz="1700" dirty="0" err="1" smtClean="0">
+                <a:latin typeface="Courier New" panose="02070309020205020404" pitchFamily="49" charset="0"/>
+                <a:cs typeface="Courier New" panose="02070309020205020404" pitchFamily="49" charset="0"/>
+              </a:rPr>
+              <a:t>parse_S</a:t>
+            </a:r>
+            <a:r>
+              <a:rPr lang="en-US" sz="1700" dirty="0" smtClean="0">
+                <a:latin typeface="Courier New" panose="02070309020205020404" pitchFamily="49" charset="0"/>
+                <a:cs typeface="Courier New" panose="02070309020205020404" pitchFamily="49" charset="0"/>
+              </a:rPr>
+              <a:t>() {</a:t>
+            </a:r>
+          </a:p>
+          <a:p>
+            <a:r>
+              <a:rPr lang="en-US" sz="1700" dirty="0">
+                <a:latin typeface="Courier New" panose="02070309020205020404" pitchFamily="49" charset="0"/>
+                <a:cs typeface="Courier New" panose="02070309020205020404" pitchFamily="49" charset="0"/>
+              </a:rPr>
+              <a:t> </a:t>
+            </a:r>
+            <a:r>
+              <a:rPr lang="en-US" sz="1700" dirty="0" smtClean="0">
+                <a:latin typeface="Courier New" panose="02070309020205020404" pitchFamily="49" charset="0"/>
+                <a:cs typeface="Courier New" panose="02070309020205020404" pitchFamily="49" charset="0"/>
+              </a:rPr>
+              <a:t> switch (token) {</a:t>
+            </a:r>
+          </a:p>
+          <a:p>
+            <a:r>
+              <a:rPr lang="en-US" sz="1700" dirty="0" smtClean="0">
+                <a:latin typeface="Courier New" panose="02070309020205020404" pitchFamily="49" charset="0"/>
+                <a:cs typeface="Courier New" panose="02070309020205020404" pitchFamily="49" charset="0"/>
+              </a:rPr>
+              <a:t>  case L_PAREN:</a:t>
+            </a:r>
+          </a:p>
+          <a:p>
+            <a:r>
+              <a:rPr lang="en-US" sz="1700" dirty="0">
+                <a:latin typeface="Courier New" panose="02070309020205020404" pitchFamily="49" charset="0"/>
+                <a:cs typeface="Courier New" panose="02070309020205020404" pitchFamily="49" charset="0"/>
+              </a:rPr>
+              <a:t> </a:t>
+            </a:r>
+            <a:r>
+              <a:rPr lang="en-US" sz="1700" dirty="0" smtClean="0">
+                <a:latin typeface="Courier New" panose="02070309020205020404" pitchFamily="49" charset="0"/>
+                <a:cs typeface="Courier New" panose="02070309020205020404" pitchFamily="49" charset="0"/>
+              </a:rPr>
+              <a:t>   </a:t>
+            </a:r>
+            <a:r>
+              <a:rPr lang="en-US" sz="1700" b="1" dirty="0" err="1" smtClean="0">
+                <a:solidFill>
+                  <a:srgbClr val="C00000"/>
+                </a:solidFill>
+                <a:latin typeface="Courier New" panose="02070309020205020404" pitchFamily="49" charset="0"/>
+                <a:cs typeface="Courier New" panose="02070309020205020404" pitchFamily="49" charset="0"/>
+              </a:rPr>
+              <a:t>parse_S</a:t>
+            </a:r>
+            <a:r>
+              <a:rPr lang="en-US" sz="1700" b="1" dirty="0" smtClean="0">
+                <a:latin typeface="Courier New" panose="02070309020205020404" pitchFamily="49" charset="0"/>
+                <a:cs typeface="Courier New" panose="02070309020205020404" pitchFamily="49" charset="0"/>
+              </a:rPr>
+              <a:t>();</a:t>
+            </a:r>
+            <a:endParaRPr lang="en-US" sz="1700" b="1" dirty="0" smtClean="0">
+              <a:latin typeface="Courier New" panose="02070309020205020404" pitchFamily="49" charset="0"/>
+              <a:cs typeface="Courier New" panose="02070309020205020404" pitchFamily="49" charset="0"/>
+            </a:endParaRPr>
+          </a:p>
+          <a:p>
+            <a:r>
+              <a:rPr lang="en-US" sz="1700" dirty="0">
+                <a:latin typeface="Courier New" panose="02070309020205020404" pitchFamily="49" charset="0"/>
+                <a:cs typeface="Courier New" panose="02070309020205020404" pitchFamily="49" charset="0"/>
+              </a:rPr>
+              <a:t> </a:t>
+            </a:r>
+            <a:r>
+              <a:rPr lang="en-US" sz="1700" dirty="0" smtClean="0">
+                <a:latin typeface="Courier New" panose="02070309020205020404" pitchFamily="49" charset="0"/>
+                <a:cs typeface="Courier New" panose="02070309020205020404" pitchFamily="49" charset="0"/>
+              </a:rPr>
+              <a:t>   break</a:t>
+            </a:r>
+            <a:r>
+              <a:rPr lang="en-US" sz="1700" dirty="0" smtClean="0">
+                <a:latin typeface="Courier New" panose="02070309020205020404" pitchFamily="49" charset="0"/>
+                <a:cs typeface="Courier New" panose="02070309020205020404" pitchFamily="49" charset="0"/>
+              </a:rPr>
+              <a:t>;</a:t>
+            </a:r>
+          </a:p>
+          <a:p>
+            <a:r>
+              <a:rPr lang="en-US" sz="1700" dirty="0">
+                <a:latin typeface="Courier New" panose="02070309020205020404" pitchFamily="49" charset="0"/>
+                <a:cs typeface="Courier New" panose="02070309020205020404" pitchFamily="49" charset="0"/>
+              </a:rPr>
+              <a:t> </a:t>
+            </a:r>
+            <a:r>
+              <a:rPr lang="en-US" sz="1700" dirty="0" smtClean="0">
+                <a:latin typeface="Courier New" panose="02070309020205020404" pitchFamily="49" charset="0"/>
+                <a:cs typeface="Courier New" panose="02070309020205020404" pitchFamily="49" charset="0"/>
+              </a:rPr>
+              <a:t> ...</a:t>
+            </a:r>
+            <a:endParaRPr lang="en-US" sz="1700" dirty="0">
+              <a:latin typeface="Courier New" panose="02070309020205020404" pitchFamily="49" charset="0"/>
+              <a:cs typeface="Courier New" panose="02070309020205020404" pitchFamily="49" charset="0"/>
+            </a:endParaRPr>
+          </a:p>
+          <a:p>
+            <a:r>
+              <a:rPr lang="en-US" sz="1700" dirty="0" smtClean="0">
+                <a:latin typeface="Courier New" panose="02070309020205020404" pitchFamily="49" charset="0"/>
+                <a:cs typeface="Courier New" panose="02070309020205020404" pitchFamily="49" charset="0"/>
+              </a:rPr>
+              <a:t>}</a:t>
+            </a:r>
+            <a:endParaRPr lang="en-US" sz="1700" dirty="0">
+              <a:latin typeface="Courier New" panose="02070309020205020404" pitchFamily="49" charset="0"/>
+              <a:cs typeface="Courier New" panose="02070309020205020404" pitchFamily="49" charset="0"/>
+            </a:endParaRPr>
+          </a:p>
+        </p:txBody>
+      </p:sp>
+    </p:spTree>
+    <p:extLst>
+      <p:ext uri="{BB962C8B-B14F-4D97-AF65-F5344CB8AC3E}">
+        <p14:creationId xmlns:p14="http://schemas.microsoft.com/office/powerpoint/2010/main" val="1179636779"/>
+      </p:ext>
+    </p:extLst>
+  </p:cSld>
+  <p:clrMapOvr>
+    <a:masterClrMapping/>
+  </p:clrMapOvr>
+  <p:timing>
+    <p:tnLst>
+      <p:par>
+        <p:cTn id="1" dur="indefinite" restart="never" nodeType="tmRoot"/>
+      </p:par>
+    </p:tnLst>
+  </p:timing>
+</p:sld>
+</file>
+
+<file path=ppt/slides/slide43.xml><?xml version="1.0" encoding="utf-8"?>
 <p:sld xmlns:a="http://schemas.openxmlformats.org/drawingml/2006/main" xmlns:r="http://schemas.openxmlformats.org/officeDocument/2006/relationships" xmlns:p="http://schemas.openxmlformats.org/presentationml/2006/main" showMasterSp="0">
   <p:cSld>
     <p:spTree>
@@ -15490,7 +15623,7 @@
 </p:sld>
 </file>
 
-<file path=ppt/slides/slide43.xml><?xml version="1.0" encoding="utf-8"?>
+<file path=ppt/slides/slide44.xml><?xml version="1.0" encoding="utf-8"?>
 <p:sld xmlns:a="http://schemas.openxmlformats.org/drawingml/2006/main" xmlns:r="http://schemas.openxmlformats.org/officeDocument/2006/relationships" xmlns:p="http://schemas.openxmlformats.org/presentationml/2006/main" showMasterSp="0">
   <p:cSld>
     <p:spTree>
@@ -15883,7 +16016,7 @@
 </p:sld>
 </file>
 
-<file path=ppt/slides/slide44.xml><?xml version="1.0" encoding="utf-8"?>
+<file path=ppt/slides/slide45.xml><?xml version="1.0" encoding="utf-8"?>
 <p:sld xmlns:a="http://schemas.openxmlformats.org/drawingml/2006/main" xmlns:r="http://schemas.openxmlformats.org/officeDocument/2006/relationships" xmlns:p="http://schemas.openxmlformats.org/presentationml/2006/main" showMasterSp="0">
   <p:cSld>
     <p:spTree>
@@ -16502,7 +16635,7 @@
 </p:sld>
 </file>
 
-<file path=ppt/slides/slide45.xml><?xml version="1.0" encoding="utf-8"?>
+<file path=ppt/slides/slide46.xml><?xml version="1.0" encoding="utf-8"?>
 <p:sld xmlns:a="http://schemas.openxmlformats.org/drawingml/2006/main" xmlns:r="http://schemas.openxmlformats.org/officeDocument/2006/relationships" xmlns:p="http://schemas.openxmlformats.org/presentationml/2006/main" showMasterSp="0">
   <p:cSld>
     <p:spTree>
@@ -16940,7 +17073,7 @@
 </p:sld>
 </file>
 
-<file path=ppt/slides/slide46.xml><?xml version="1.0" encoding="utf-8"?>
+<file path=ppt/slides/slide47.xml><?xml version="1.0" encoding="utf-8"?>
 <p:sld xmlns:a="http://schemas.openxmlformats.org/drawingml/2006/main" xmlns:r="http://schemas.openxmlformats.org/officeDocument/2006/relationships" xmlns:p="http://schemas.openxmlformats.org/presentationml/2006/main" showMasterSp="0">
   <p:cSld>
     <p:spTree>
@@ -17700,7 +17833,7 @@
 </p:sld>
 </file>
 
-<file path=ppt/slides/slide47.xml><?xml version="1.0" encoding="utf-8"?>
+<file path=ppt/slides/slide48.xml><?xml version="1.0" encoding="utf-8"?>
 <p:sld xmlns:a="http://schemas.openxmlformats.org/drawingml/2006/main" xmlns:r="http://schemas.openxmlformats.org/officeDocument/2006/relationships" xmlns:p="http://schemas.openxmlformats.org/presentationml/2006/main" showMasterSp="0">
   <p:cSld>
     <p:spTree>
@@ -18270,138 +18403,6 @@
 </p:sld>
 </file>
 
-<file path=ppt/slides/slide48.xml><?xml version="1.0" encoding="utf-8"?>
-<p:sld xmlns:a="http://schemas.openxmlformats.org/drawingml/2006/main" xmlns:r="http://schemas.openxmlformats.org/officeDocument/2006/relationships" xmlns:p="http://schemas.openxmlformats.org/presentationml/2006/main" showMasterSp="0">
-  <p:cSld>
-    <p:spTree>
-      <p:nvGrpSpPr>
-        <p:cNvPr id="1" name=""/>
-        <p:cNvGrpSpPr/>
-        <p:nvPr/>
-      </p:nvGrpSpPr>
-      <p:grpSpPr>
-        <a:xfrm>
-          <a:off x="0" y="0"/>
-          <a:ext cx="0" cy="0"/>
-          <a:chOff x="0" y="0"/>
-          <a:chExt cx="0" cy="0"/>
-        </a:xfrm>
-      </p:grpSpPr>
-      <p:sp>
-        <p:nvSpPr>
-          <p:cNvPr id="4" name="TextBox 3"/>
-          <p:cNvSpPr txBox="1"/>
-          <p:nvPr/>
-        </p:nvSpPr>
-        <p:spPr>
-          <a:xfrm>
-            <a:off x="1011115" y="668215"/>
-            <a:ext cx="10137964" cy="830997"/>
-          </a:xfrm>
-          <a:prstGeom prst="rect">
-            <a:avLst/>
-          </a:prstGeom>
-          <a:noFill/>
-        </p:spPr>
-        <p:txBody>
-          <a:bodyPr wrap="square" rtlCol="0">
-            <a:spAutoFit/>
-          </a:bodyPr>
-          <a:lstStyle/>
-          <a:p>
-            <a:r>
-              <a:rPr lang="en-US" sz="4800" dirty="0" smtClean="0">
-                <a:latin typeface="+mj-lt"/>
-              </a:rPr>
-              <a:t>LL(1)</a:t>
-            </a:r>
-            <a:endParaRPr lang="en-US" sz="4800" dirty="0">
-              <a:latin typeface="+mj-lt"/>
-            </a:endParaRPr>
-          </a:p>
-        </p:txBody>
-      </p:sp>
-      <p:sp>
-        <p:nvSpPr>
-          <p:cNvPr id="5" name="TextBox 4"/>
-          <p:cNvSpPr txBox="1"/>
-          <p:nvPr/>
-        </p:nvSpPr>
-        <p:spPr>
-          <a:xfrm>
-            <a:off x="1011115" y="1529866"/>
-            <a:ext cx="10137964" cy="1384995"/>
-          </a:xfrm>
-          <a:prstGeom prst="rect">
-            <a:avLst/>
-          </a:prstGeom>
-          <a:noFill/>
-        </p:spPr>
-        <p:txBody>
-          <a:bodyPr wrap="square" rtlCol="0">
-            <a:spAutoFit/>
-          </a:bodyPr>
-          <a:lstStyle/>
-          <a:p>
-            <a:r>
-              <a:rPr lang="en-US" sz="2800" dirty="0" smtClean="0">
-                <a:latin typeface="+mj-lt"/>
-              </a:rPr>
-              <a:t>Definitions:</a:t>
-            </a:r>
-          </a:p>
-          <a:p>
-            <a:pPr marL="285750" indent="-285750">
-              <a:buFont typeface="Arial" panose="020B0604020202020204" pitchFamily="34" charset="0"/>
-              <a:buChar char="•"/>
-            </a:pPr>
-            <a:r>
-              <a:rPr lang="en-US" sz="2800" dirty="0" smtClean="0">
-                <a:latin typeface="+mj-lt"/>
-              </a:rPr>
-              <a:t>A grammar that </a:t>
-            </a:r>
-            <a:r>
-              <a:rPr lang="en-US" sz="2800" dirty="0">
-                <a:latin typeface="+mj-lt"/>
-              </a:rPr>
-              <a:t>has a predictive parser is called LL(1)</a:t>
-            </a:r>
-          </a:p>
-          <a:p>
-            <a:pPr marL="285750" indent="-285750">
-              <a:buFont typeface="Arial" panose="020B0604020202020204" pitchFamily="34" charset="0"/>
-              <a:buChar char="•"/>
-            </a:pPr>
-            <a:r>
-              <a:rPr lang="en-US" sz="2800" dirty="0" smtClean="0">
-                <a:latin typeface="+mj-lt"/>
-              </a:rPr>
-              <a:t>A language that has LL(1) grammar is called LL(1)</a:t>
-            </a:r>
-          </a:p>
-        </p:txBody>
-      </p:sp>
-    </p:spTree>
-    <p:extLst>
-      <p:ext uri="{BB962C8B-B14F-4D97-AF65-F5344CB8AC3E}">
-        <p14:creationId xmlns:p14="http://schemas.microsoft.com/office/powerpoint/2010/main" val="15219133"/>
-      </p:ext>
-    </p:extLst>
-  </p:cSld>
-  <p:clrMapOvr>
-    <a:masterClrMapping/>
-  </p:clrMapOvr>
-  <p:timing>
-    <p:tnLst>
-      <p:par>
-        <p:cTn id="1" dur="indefinite" restart="never" nodeType="tmRoot"/>
-      </p:par>
-    </p:tnLst>
-  </p:timing>
-</p:sld>
-</file>
-
 <file path=ppt/slides/slide49.xml><?xml version="1.0" encoding="utf-8"?>
 <p:sld xmlns:a="http://schemas.openxmlformats.org/drawingml/2006/main" xmlns:r="http://schemas.openxmlformats.org/officeDocument/2006/relationships" xmlns:p="http://schemas.openxmlformats.org/presentationml/2006/main" showMasterSp="0">
   <p:cSld>
@@ -18445,7 +18446,7 @@
               <a:rPr lang="en-US" sz="4800" dirty="0" smtClean="0">
                 <a:latin typeface="+mj-lt"/>
               </a:rPr>
-              <a:t>CFG vs Language</a:t>
+              <a:t>LL(1)</a:t>
             </a:r>
             <a:endParaRPr lang="en-US" sz="4800" dirty="0">
               <a:latin typeface="+mj-lt"/>
@@ -18462,7 +18463,7 @@
         <p:spPr>
           <a:xfrm>
             <a:off x="1011115" y="1529866"/>
-            <a:ext cx="10137964" cy="1815882"/>
+            <a:ext cx="10137964" cy="1384995"/>
           </a:xfrm>
           <a:prstGeom prst="rect">
             <a:avLst/>
@@ -18475,6 +18476,14 @@
           </a:bodyPr>
           <a:lstStyle/>
           <a:p>
+            <a:r>
+              <a:rPr lang="en-US" sz="2800" dirty="0" smtClean="0">
+                <a:latin typeface="+mj-lt"/>
+              </a:rPr>
+              <a:t>Definitions:</a:t>
+            </a:r>
+          </a:p>
+          <a:p>
             <a:pPr marL="285750" indent="-285750">
               <a:buFont typeface="Arial" panose="020B0604020202020204" pitchFamily="34" charset="0"/>
               <a:buChar char="•"/>
@@ -18483,7 +18492,13 @@
               <a:rPr lang="en-US" sz="2800" dirty="0" smtClean="0">
                 <a:latin typeface="+mj-lt"/>
               </a:rPr>
-              <a:t>A language may hove more the one CFG</a:t>
+              <a:t>A grammar that </a:t>
+            </a:r>
+            <a:r>
+              <a:rPr lang="en-US" sz="2800" dirty="0">
+                <a:latin typeface="+mj-lt"/>
+              </a:rPr>
+              <a:t>has a predictive parser is called LL(1)</a:t>
             </a:r>
           </a:p>
           <a:p>
@@ -18495,42 +18510,15 @@
               <a:rPr lang="en-US" sz="2800" dirty="0" smtClean="0">
                 <a:latin typeface="+mj-lt"/>
               </a:rPr>
-              <a:t>We might have a language which 2 CFG’s where:</a:t>
-            </a:r>
-          </a:p>
-          <a:p>
-            <a:pPr marL="742950" lvl="1" indent="-285750">
-              <a:buFont typeface="Arial" panose="020B0604020202020204" pitchFamily="34" charset="0"/>
-              <a:buChar char="•"/>
-            </a:pPr>
-            <a:r>
-              <a:rPr lang="en-US" sz="2800" dirty="0" smtClean="0">
-                <a:latin typeface="+mj-lt"/>
-              </a:rPr>
-              <a:t>One of them is LL(1)</a:t>
-            </a:r>
-          </a:p>
-          <a:p>
-            <a:pPr marL="742950" lvl="1" indent="-285750">
-              <a:buFont typeface="Arial" panose="020B0604020202020204" pitchFamily="34" charset="0"/>
-              <a:buChar char="•"/>
-            </a:pPr>
-            <a:r>
-              <a:rPr lang="en-US" sz="2800" dirty="0" smtClean="0">
-                <a:latin typeface="+mj-lt"/>
-              </a:rPr>
-              <a:t>The other one isn’t…</a:t>
-            </a:r>
-            <a:endParaRPr lang="en-US" sz="2800" dirty="0">
-              <a:latin typeface="+mj-lt"/>
-            </a:endParaRPr>
+              <a:t>A language that has LL(1) grammar is called LL(1)</a:t>
+            </a:r>
           </a:p>
         </p:txBody>
       </p:sp>
     </p:spTree>
     <p:extLst>
       <p:ext uri="{BB962C8B-B14F-4D97-AF65-F5344CB8AC3E}">
-        <p14:creationId xmlns:p14="http://schemas.microsoft.com/office/powerpoint/2010/main" val="1414209627"/>
+        <p14:creationId xmlns:p14="http://schemas.microsoft.com/office/powerpoint/2010/main" val="15219133"/>
       </p:ext>
     </p:extLst>
   </p:cSld>
@@ -18821,6 +18809,151 @@
 </file>
 
 <file path=ppt/slides/slide50.xml><?xml version="1.0" encoding="utf-8"?>
+<p:sld xmlns:a="http://schemas.openxmlformats.org/drawingml/2006/main" xmlns:r="http://schemas.openxmlformats.org/officeDocument/2006/relationships" xmlns:p="http://schemas.openxmlformats.org/presentationml/2006/main" showMasterSp="0">
+  <p:cSld>
+    <p:spTree>
+      <p:nvGrpSpPr>
+        <p:cNvPr id="1" name=""/>
+        <p:cNvGrpSpPr/>
+        <p:nvPr/>
+      </p:nvGrpSpPr>
+      <p:grpSpPr>
+        <a:xfrm>
+          <a:off x="0" y="0"/>
+          <a:ext cx="0" cy="0"/>
+          <a:chOff x="0" y="0"/>
+          <a:chExt cx="0" cy="0"/>
+        </a:xfrm>
+      </p:grpSpPr>
+      <p:sp>
+        <p:nvSpPr>
+          <p:cNvPr id="4" name="TextBox 3"/>
+          <p:cNvSpPr txBox="1"/>
+          <p:nvPr/>
+        </p:nvSpPr>
+        <p:spPr>
+          <a:xfrm>
+            <a:off x="1011115" y="668215"/>
+            <a:ext cx="10137964" cy="830997"/>
+          </a:xfrm>
+          <a:prstGeom prst="rect">
+            <a:avLst/>
+          </a:prstGeom>
+          <a:noFill/>
+        </p:spPr>
+        <p:txBody>
+          <a:bodyPr wrap="square" rtlCol="0">
+            <a:spAutoFit/>
+          </a:bodyPr>
+          <a:lstStyle/>
+          <a:p>
+            <a:r>
+              <a:rPr lang="en-US" sz="4800" dirty="0" smtClean="0">
+                <a:latin typeface="+mj-lt"/>
+              </a:rPr>
+              <a:t>CFG vs Language</a:t>
+            </a:r>
+            <a:endParaRPr lang="en-US" sz="4800" dirty="0">
+              <a:latin typeface="+mj-lt"/>
+            </a:endParaRPr>
+          </a:p>
+        </p:txBody>
+      </p:sp>
+      <p:sp>
+        <p:nvSpPr>
+          <p:cNvPr id="5" name="TextBox 4"/>
+          <p:cNvSpPr txBox="1"/>
+          <p:nvPr/>
+        </p:nvSpPr>
+        <p:spPr>
+          <a:xfrm>
+            <a:off x="1011115" y="1529866"/>
+            <a:ext cx="10137964" cy="1815882"/>
+          </a:xfrm>
+          <a:prstGeom prst="rect">
+            <a:avLst/>
+          </a:prstGeom>
+          <a:noFill/>
+        </p:spPr>
+        <p:txBody>
+          <a:bodyPr wrap="square" rtlCol="0">
+            <a:spAutoFit/>
+          </a:bodyPr>
+          <a:lstStyle/>
+          <a:p>
+            <a:pPr marL="285750" indent="-285750">
+              <a:buFont typeface="Arial" panose="020B0604020202020204" pitchFamily="34" charset="0"/>
+              <a:buChar char="•"/>
+            </a:pPr>
+            <a:r>
+              <a:rPr lang="en-US" sz="2800" dirty="0" smtClean="0">
+                <a:latin typeface="+mj-lt"/>
+              </a:rPr>
+              <a:t>A language may hove more the one CFG</a:t>
+            </a:r>
+          </a:p>
+          <a:p>
+            <a:pPr marL="285750" indent="-285750">
+              <a:buFont typeface="Arial" panose="020B0604020202020204" pitchFamily="34" charset="0"/>
+              <a:buChar char="•"/>
+            </a:pPr>
+            <a:r>
+              <a:rPr lang="en-US" sz="2800" dirty="0" smtClean="0">
+                <a:latin typeface="+mj-lt"/>
+              </a:rPr>
+              <a:t>We might have a language which 2 CFG’s where:</a:t>
+            </a:r>
+          </a:p>
+          <a:p>
+            <a:pPr marL="742950" lvl="1" indent="-285750">
+              <a:buFont typeface="Arial" panose="020B0604020202020204" pitchFamily="34" charset="0"/>
+              <a:buChar char="•"/>
+            </a:pPr>
+            <a:r>
+              <a:rPr lang="en-US" sz="2800" dirty="0" smtClean="0">
+                <a:latin typeface="+mj-lt"/>
+              </a:rPr>
+              <a:t>One of them is LL(1)</a:t>
+            </a:r>
+          </a:p>
+          <a:p>
+            <a:pPr marL="742950" lvl="1" indent="-285750">
+              <a:buFont typeface="Arial" panose="020B0604020202020204" pitchFamily="34" charset="0"/>
+              <a:buChar char="•"/>
+            </a:pPr>
+            <a:r>
+              <a:rPr lang="en-US" sz="2800" dirty="0" smtClean="0">
+                <a:latin typeface="+mj-lt"/>
+              </a:rPr>
+              <a:t>The other one isn’t…</a:t>
+            </a:r>
+            <a:endParaRPr lang="en-US" sz="2800" dirty="0">
+              <a:latin typeface="+mj-lt"/>
+            </a:endParaRPr>
+          </a:p>
+        </p:txBody>
+      </p:sp>
+    </p:spTree>
+    <p:extLst>
+      <p:ext uri="{BB962C8B-B14F-4D97-AF65-F5344CB8AC3E}">
+        <p14:creationId xmlns:p14="http://schemas.microsoft.com/office/powerpoint/2010/main" val="1414209627"/>
+      </p:ext>
+    </p:extLst>
+  </p:cSld>
+  <p:clrMapOvr>
+    <a:masterClrMapping/>
+  </p:clrMapOvr>
+  <p:timing>
+    <p:tnLst>
+      <p:par>
+        <p:cTn id="1" dur="indefinite" restart="never" nodeType="tmRoot"/>
+      </p:par>
+    </p:tnLst>
+  </p:timing>
+</p:sld>
+</file>
+
+<file path=ppt/slides/slide51.xml><?xml version="1.0" encoding="utf-8"?>
 <p:sld xmlns:a="http://schemas.openxmlformats.org/drawingml/2006/main" xmlns:r="http://schemas.openxmlformats.org/officeDocument/2006/relationships" xmlns:p="http://schemas.openxmlformats.org/presentationml/2006/main" showMasterSp="0">
   <p:cSld>
     <p:spTree>
@@ -19216,7 +19349,7 @@
 </p:sld>
 </file>
 
-<file path=ppt/slides/slide51.xml><?xml version="1.0" encoding="utf-8"?>
+<file path=ppt/slides/slide52.xml><?xml version="1.0" encoding="utf-8"?>
 <p:sld xmlns:a="http://schemas.openxmlformats.org/drawingml/2006/main" xmlns:r="http://schemas.openxmlformats.org/officeDocument/2006/relationships" xmlns:p="http://schemas.openxmlformats.org/presentationml/2006/main" showMasterSp="0">
   <p:cSld>
     <p:spTree>
@@ -20056,7 +20189,7 @@
 </p:sld>
 </file>
 
-<file path=ppt/slides/slide52.xml><?xml version="1.0" encoding="utf-8"?>
+<file path=ppt/slides/slide53.xml><?xml version="1.0" encoding="utf-8"?>
 <p:sld xmlns:a="http://schemas.openxmlformats.org/drawingml/2006/main" xmlns:r="http://schemas.openxmlformats.org/officeDocument/2006/relationships" xmlns:p="http://schemas.openxmlformats.org/presentationml/2006/main" showMasterSp="0">
   <p:cSld>
     <p:spTree>
@@ -21213,7 +21346,7 @@
 </p:sld>
 </file>
 
-<file path=ppt/slides/slide53.xml><?xml version="1.0" encoding="utf-8"?>
+<file path=ppt/slides/slide54.xml><?xml version="1.0" encoding="utf-8"?>
 <p:sld xmlns:a="http://schemas.openxmlformats.org/drawingml/2006/main" xmlns:r="http://schemas.openxmlformats.org/officeDocument/2006/relationships" xmlns:p="http://schemas.openxmlformats.org/presentationml/2006/main" showMasterSp="0">
   <p:cSld>
     <p:spTree>
@@ -22364,7 +22497,7 @@
 </p:sld>
 </file>
 
-<file path=ppt/slides/slide54.xml><?xml version="1.0" encoding="utf-8"?>
+<file path=ppt/slides/slide55.xml><?xml version="1.0" encoding="utf-8"?>
 <p:sld xmlns:a="http://schemas.openxmlformats.org/drawingml/2006/main" xmlns:r="http://schemas.openxmlformats.org/officeDocument/2006/relationships" xmlns:p="http://schemas.openxmlformats.org/presentationml/2006/main" showMasterSp="0">
   <p:cSld>
     <p:spTree>
@@ -23729,7 +23862,7 @@
 </p:sld>
 </file>
 
-<file path=ppt/slides/slide55.xml><?xml version="1.0" encoding="utf-8"?>
+<file path=ppt/slides/slide56.xml><?xml version="1.0" encoding="utf-8"?>
 <p:sld xmlns:a="http://schemas.openxmlformats.org/drawingml/2006/main" xmlns:r="http://schemas.openxmlformats.org/officeDocument/2006/relationships" xmlns:p="http://schemas.openxmlformats.org/presentationml/2006/main" showMasterSp="0">
   <p:cSld>
     <p:spTree>
@@ -25403,7 +25536,7 @@
 </p:sld>
 </file>
 
-<file path=ppt/slides/slide56.xml><?xml version="1.0" encoding="utf-8"?>
+<file path=ppt/slides/slide57.xml><?xml version="1.0" encoding="utf-8"?>
 <p:sld xmlns:a="http://schemas.openxmlformats.org/drawingml/2006/main" xmlns:r="http://schemas.openxmlformats.org/officeDocument/2006/relationships" xmlns:p="http://schemas.openxmlformats.org/presentationml/2006/main" showMasterSp="0">
   <p:cSld>
     <p:spTree>
@@ -27079,7 +27212,7 @@
 </p:sld>
 </file>
 
-<file path=ppt/slides/slide57.xml><?xml version="1.0" encoding="utf-8"?>
+<file path=ppt/slides/slide58.xml><?xml version="1.0" encoding="utf-8"?>
 <p:sld xmlns:a="http://schemas.openxmlformats.org/drawingml/2006/main" xmlns:r="http://schemas.openxmlformats.org/officeDocument/2006/relationships" xmlns:p="http://schemas.openxmlformats.org/presentationml/2006/main" showMasterSp="0">
   <p:cSld>
     <p:spTree>
@@ -28963,7 +29096,7 @@
 </p:sld>
 </file>
 
-<file path=ppt/slides/slide58.xml><?xml version="1.0" encoding="utf-8"?>
+<file path=ppt/slides/slide59.xml><?xml version="1.0" encoding="utf-8"?>
 <p:sld xmlns:a="http://schemas.openxmlformats.org/drawingml/2006/main" xmlns:r="http://schemas.openxmlformats.org/officeDocument/2006/relationships" xmlns:p="http://schemas.openxmlformats.org/presentationml/2006/main" showMasterSp="0">
   <p:cSld>
     <p:spTree>
@@ -30843,141 +30976,6 @@
 </p:sld>
 </file>
 
-<file path=ppt/slides/slide59.xml><?xml version="1.0" encoding="utf-8"?>
-<p:sld xmlns:a="http://schemas.openxmlformats.org/drawingml/2006/main" xmlns:r="http://schemas.openxmlformats.org/officeDocument/2006/relationships" xmlns:p="http://schemas.openxmlformats.org/presentationml/2006/main" showMasterSp="0">
-  <p:cSld>
-    <p:spTree>
-      <p:nvGrpSpPr>
-        <p:cNvPr id="1" name=""/>
-        <p:cNvGrpSpPr/>
-        <p:nvPr/>
-      </p:nvGrpSpPr>
-      <p:grpSpPr>
-        <a:xfrm>
-          <a:off x="0" y="0"/>
-          <a:ext cx="0" cy="0"/>
-          <a:chOff x="0" y="0"/>
-          <a:chExt cx="0" cy="0"/>
-        </a:xfrm>
-      </p:grpSpPr>
-      <p:sp>
-        <p:nvSpPr>
-          <p:cNvPr id="4" name="TextBox 3"/>
-          <p:cNvSpPr txBox="1"/>
-          <p:nvPr/>
-        </p:nvSpPr>
-        <p:spPr>
-          <a:xfrm>
-            <a:off x="1011115" y="668215"/>
-            <a:ext cx="10137964" cy="830997"/>
-          </a:xfrm>
-          <a:prstGeom prst="rect">
-            <a:avLst/>
-          </a:prstGeom>
-          <a:noFill/>
-        </p:spPr>
-        <p:txBody>
-          <a:bodyPr wrap="square" rtlCol="0">
-            <a:spAutoFit/>
-          </a:bodyPr>
-          <a:lstStyle/>
-          <a:p>
-            <a:r>
-              <a:rPr lang="en-US" sz="4800" dirty="0" smtClean="0">
-                <a:latin typeface="+mj-lt"/>
-              </a:rPr>
-              <a:t>Operator Precedence</a:t>
-            </a:r>
-            <a:endParaRPr lang="en-US" sz="4800" dirty="0">
-              <a:latin typeface="+mj-lt"/>
-            </a:endParaRPr>
-          </a:p>
-        </p:txBody>
-      </p:sp>
-      <p:sp>
-        <p:nvSpPr>
-          <p:cNvPr id="5" name="TextBox 4"/>
-          <p:cNvSpPr txBox="1"/>
-          <p:nvPr/>
-        </p:nvSpPr>
-        <p:spPr>
-          <a:xfrm>
-            <a:off x="1011115" y="1529866"/>
-            <a:ext cx="10137964" cy="1384995"/>
-          </a:xfrm>
-          <a:prstGeom prst="rect">
-            <a:avLst/>
-          </a:prstGeom>
-          <a:noFill/>
-        </p:spPr>
-        <p:txBody>
-          <a:bodyPr wrap="square" rtlCol="0">
-            <a:spAutoFit/>
-          </a:bodyPr>
-          <a:lstStyle/>
-          <a:p>
-            <a:r>
-              <a:rPr lang="en-US" sz="2800" dirty="0" smtClean="0">
-                <a:latin typeface="+mj-lt"/>
-              </a:rPr>
-              <a:t>Our CFG does not contain information about </a:t>
-            </a:r>
-            <a:r>
-              <a:rPr lang="en-US" sz="2800" b="1" dirty="0" smtClean="0">
-                <a:latin typeface="+mj-lt"/>
-              </a:rPr>
-              <a:t>operator precedence!</a:t>
-            </a:r>
-          </a:p>
-          <a:p>
-            <a:pPr marL="285750" indent="-285750">
-              <a:buFont typeface="Arial" panose="020B0604020202020204" pitchFamily="34" charset="0"/>
-              <a:buChar char="•"/>
-            </a:pPr>
-            <a:r>
-              <a:rPr lang="en-US" sz="2800" dirty="0" smtClean="0">
-                <a:latin typeface="+mj-lt"/>
-              </a:rPr>
-              <a:t>The expression 8 * 4 + 3 is interpreted as 8 * (4 + 3)</a:t>
-            </a:r>
-          </a:p>
-          <a:p>
-            <a:pPr marL="285750" indent="-285750">
-              <a:buFont typeface="Arial" panose="020B0604020202020204" pitchFamily="34" charset="0"/>
-              <a:buChar char="•"/>
-            </a:pPr>
-            <a:r>
-              <a:rPr lang="en-US" sz="2800" dirty="0" smtClean="0">
-                <a:latin typeface="+mj-lt"/>
-              </a:rPr>
-              <a:t>We need to find another grammar…</a:t>
-            </a:r>
-            <a:endParaRPr lang="en-US" sz="2800" dirty="0">
-              <a:latin typeface="+mj-lt"/>
-            </a:endParaRPr>
-          </a:p>
-        </p:txBody>
-      </p:sp>
-    </p:spTree>
-    <p:extLst>
-      <p:ext uri="{BB962C8B-B14F-4D97-AF65-F5344CB8AC3E}">
-        <p14:creationId xmlns:p14="http://schemas.microsoft.com/office/powerpoint/2010/main" val="3507569145"/>
-      </p:ext>
-    </p:extLst>
-  </p:cSld>
-  <p:clrMapOvr>
-    <a:masterClrMapping/>
-  </p:clrMapOvr>
-  <p:timing>
-    <p:tnLst>
-      <p:par>
-        <p:cTn id="1" dur="indefinite" restart="never" nodeType="tmRoot"/>
-      </p:par>
-    </p:tnLst>
-  </p:timing>
-</p:sld>
-</file>
-
 <file path=ppt/slides/slide6.xml><?xml version="1.0" encoding="utf-8"?>
 <p:sld xmlns:a="http://schemas.openxmlformats.org/drawingml/2006/main" xmlns:r="http://schemas.openxmlformats.org/officeDocument/2006/relationships" xmlns:p="http://schemas.openxmlformats.org/presentationml/2006/main" showMasterSp="0">
   <p:cSld>
@@ -31149,6 +31147,141 @@
 </file>
 
 <file path=ppt/slides/slide60.xml><?xml version="1.0" encoding="utf-8"?>
+<p:sld xmlns:a="http://schemas.openxmlformats.org/drawingml/2006/main" xmlns:r="http://schemas.openxmlformats.org/officeDocument/2006/relationships" xmlns:p="http://schemas.openxmlformats.org/presentationml/2006/main" showMasterSp="0">
+  <p:cSld>
+    <p:spTree>
+      <p:nvGrpSpPr>
+        <p:cNvPr id="1" name=""/>
+        <p:cNvGrpSpPr/>
+        <p:nvPr/>
+      </p:nvGrpSpPr>
+      <p:grpSpPr>
+        <a:xfrm>
+          <a:off x="0" y="0"/>
+          <a:ext cx="0" cy="0"/>
+          <a:chOff x="0" y="0"/>
+          <a:chExt cx="0" cy="0"/>
+        </a:xfrm>
+      </p:grpSpPr>
+      <p:sp>
+        <p:nvSpPr>
+          <p:cNvPr id="4" name="TextBox 3"/>
+          <p:cNvSpPr txBox="1"/>
+          <p:nvPr/>
+        </p:nvSpPr>
+        <p:spPr>
+          <a:xfrm>
+            <a:off x="1011115" y="668215"/>
+            <a:ext cx="10137964" cy="830997"/>
+          </a:xfrm>
+          <a:prstGeom prst="rect">
+            <a:avLst/>
+          </a:prstGeom>
+          <a:noFill/>
+        </p:spPr>
+        <p:txBody>
+          <a:bodyPr wrap="square" rtlCol="0">
+            <a:spAutoFit/>
+          </a:bodyPr>
+          <a:lstStyle/>
+          <a:p>
+            <a:r>
+              <a:rPr lang="en-US" sz="4800" dirty="0" smtClean="0">
+                <a:latin typeface="+mj-lt"/>
+              </a:rPr>
+              <a:t>Operator Precedence</a:t>
+            </a:r>
+            <a:endParaRPr lang="en-US" sz="4800" dirty="0">
+              <a:latin typeface="+mj-lt"/>
+            </a:endParaRPr>
+          </a:p>
+        </p:txBody>
+      </p:sp>
+      <p:sp>
+        <p:nvSpPr>
+          <p:cNvPr id="5" name="TextBox 4"/>
+          <p:cNvSpPr txBox="1"/>
+          <p:nvPr/>
+        </p:nvSpPr>
+        <p:spPr>
+          <a:xfrm>
+            <a:off x="1011115" y="1529866"/>
+            <a:ext cx="10137964" cy="1384995"/>
+          </a:xfrm>
+          <a:prstGeom prst="rect">
+            <a:avLst/>
+          </a:prstGeom>
+          <a:noFill/>
+        </p:spPr>
+        <p:txBody>
+          <a:bodyPr wrap="square" rtlCol="0">
+            <a:spAutoFit/>
+          </a:bodyPr>
+          <a:lstStyle/>
+          <a:p>
+            <a:r>
+              <a:rPr lang="en-US" sz="2800" dirty="0" smtClean="0">
+                <a:latin typeface="+mj-lt"/>
+              </a:rPr>
+              <a:t>Our CFG does not contain information about </a:t>
+            </a:r>
+            <a:r>
+              <a:rPr lang="en-US" sz="2800" b="1" dirty="0" smtClean="0">
+                <a:latin typeface="+mj-lt"/>
+              </a:rPr>
+              <a:t>operator precedence!</a:t>
+            </a:r>
+          </a:p>
+          <a:p>
+            <a:pPr marL="285750" indent="-285750">
+              <a:buFont typeface="Arial" panose="020B0604020202020204" pitchFamily="34" charset="0"/>
+              <a:buChar char="•"/>
+            </a:pPr>
+            <a:r>
+              <a:rPr lang="en-US" sz="2800" dirty="0" smtClean="0">
+                <a:latin typeface="+mj-lt"/>
+              </a:rPr>
+              <a:t>The expression 8 * 4 + 3 is interpreted as 8 * (4 + 3)</a:t>
+            </a:r>
+          </a:p>
+          <a:p>
+            <a:pPr marL="285750" indent="-285750">
+              <a:buFont typeface="Arial" panose="020B0604020202020204" pitchFamily="34" charset="0"/>
+              <a:buChar char="•"/>
+            </a:pPr>
+            <a:r>
+              <a:rPr lang="en-US" sz="2800" dirty="0" smtClean="0">
+                <a:latin typeface="+mj-lt"/>
+              </a:rPr>
+              <a:t>We need to find another grammar…</a:t>
+            </a:r>
+            <a:endParaRPr lang="en-US" sz="2800" dirty="0">
+              <a:latin typeface="+mj-lt"/>
+            </a:endParaRPr>
+          </a:p>
+        </p:txBody>
+      </p:sp>
+    </p:spTree>
+    <p:extLst>
+      <p:ext uri="{BB962C8B-B14F-4D97-AF65-F5344CB8AC3E}">
+        <p14:creationId xmlns:p14="http://schemas.microsoft.com/office/powerpoint/2010/main" val="3507569145"/>
+      </p:ext>
+    </p:extLst>
+  </p:cSld>
+  <p:clrMapOvr>
+    <a:masterClrMapping/>
+  </p:clrMapOvr>
+  <p:timing>
+    <p:tnLst>
+      <p:par>
+        <p:cTn id="1" dur="indefinite" restart="never" nodeType="tmRoot"/>
+      </p:par>
+    </p:tnLst>
+  </p:timing>
+</p:sld>
+</file>
+
+<file path=ppt/slides/slide61.xml><?xml version="1.0" encoding="utf-8"?>
 <p:sld xmlns:a="http://schemas.openxmlformats.org/drawingml/2006/main" xmlns:r="http://schemas.openxmlformats.org/officeDocument/2006/relationships" xmlns:p="http://schemas.openxmlformats.org/presentationml/2006/main" showMasterSp="0">
   <p:cSld>
     <p:spTree>
@@ -31542,7 +31675,7 @@
 </p:sld>
 </file>
 
-<file path=ppt/slides/slide61.xml><?xml version="1.0" encoding="utf-8"?>
+<file path=ppt/slides/slide62.xml><?xml version="1.0" encoding="utf-8"?>
 <p:sld xmlns:a="http://schemas.openxmlformats.org/drawingml/2006/main" xmlns:r="http://schemas.openxmlformats.org/officeDocument/2006/relationships" xmlns:p="http://schemas.openxmlformats.org/presentationml/2006/main" showMasterSp="0">
   <p:cSld>
     <p:spTree>
@@ -32380,7 +32513,7 @@
 </p:sld>
 </file>
 
-<file path=ppt/slides/slide62.xml><?xml version="1.0" encoding="utf-8"?>
+<file path=ppt/slides/slide63.xml><?xml version="1.0" encoding="utf-8"?>
 <p:sld xmlns:a="http://schemas.openxmlformats.org/drawingml/2006/main" xmlns:r="http://schemas.openxmlformats.org/officeDocument/2006/relationships" xmlns:p="http://schemas.openxmlformats.org/presentationml/2006/main" showMasterSp="0">
   <p:cSld>
     <p:spTree>
@@ -34121,7 +34254,7 @@
 </p:sld>
 </file>
 
-<file path=ppt/slides/slide63.xml><?xml version="1.0" encoding="utf-8"?>
+<file path=ppt/slides/slide64.xml><?xml version="1.0" encoding="utf-8"?>
 <p:sld xmlns:a="http://schemas.openxmlformats.org/drawingml/2006/main" xmlns:r="http://schemas.openxmlformats.org/officeDocument/2006/relationships" xmlns:p="http://schemas.openxmlformats.org/presentationml/2006/main" showMasterSp="0">
   <p:cSld>
     <p:spTree>
@@ -34484,7 +34617,7 @@
 </p:sld>
 </file>
 
-<file path=ppt/slides/slide64.xml><?xml version="1.0" encoding="utf-8"?>
+<file path=ppt/slides/slide65.xml><?xml version="1.0" encoding="utf-8"?>
 <p:sld xmlns:a="http://schemas.openxmlformats.org/drawingml/2006/main" xmlns:r="http://schemas.openxmlformats.org/officeDocument/2006/relationships" xmlns:p="http://schemas.openxmlformats.org/presentationml/2006/main" showMasterSp="0">
   <p:cSld>
     <p:spTree>
@@ -35047,7 +35180,7 @@
 </p:sld>
 </file>
 
-<file path=ppt/slides/slide65.xml><?xml version="1.0" encoding="utf-8"?>
+<file path=ppt/slides/slide66.xml><?xml version="1.0" encoding="utf-8"?>
 <p:sld xmlns:a="http://schemas.openxmlformats.org/drawingml/2006/main" xmlns:r="http://schemas.openxmlformats.org/officeDocument/2006/relationships" xmlns:p="http://schemas.openxmlformats.org/presentationml/2006/main" showMasterSp="0">
   <p:cSld>
     <p:spTree>
@@ -35299,7 +35432,7 @@
 </p:sld>
 </file>
 
-<file path=ppt/slides/slide66.xml><?xml version="1.0" encoding="utf-8"?>
+<file path=ppt/slides/slide67.xml><?xml version="1.0" encoding="utf-8"?>
 <p:sld xmlns:a="http://schemas.openxmlformats.org/drawingml/2006/main" xmlns:r="http://schemas.openxmlformats.org/officeDocument/2006/relationships" xmlns:p="http://schemas.openxmlformats.org/presentationml/2006/main" showMasterSp="0">
   <p:cSld>
     <p:spTree>
@@ -35564,7 +35697,7 @@
 </p:sld>
 </file>
 
-<file path=ppt/slides/slide67.xml><?xml version="1.0" encoding="utf-8"?>
+<file path=ppt/slides/slide68.xml><?xml version="1.0" encoding="utf-8"?>
 <p:sld xmlns:a="http://schemas.openxmlformats.org/drawingml/2006/main" xmlns:r="http://schemas.openxmlformats.org/officeDocument/2006/relationships" xmlns:p="http://schemas.openxmlformats.org/presentationml/2006/main" showMasterSp="0">
   <p:cSld>
     <p:spTree>
@@ -35621,8 +35754,8 @@
           </a:p>
         </p:txBody>
       </p:sp>
-      <mc:AlternateContent xmlns:mc="http://schemas.openxmlformats.org/markup-compatibility/2006">
-        <mc:Choice xmlns:a14="http://schemas.microsoft.com/office/drawing/2010/main" Requires="a14">
+      <mc:AlternateContent xmlns:mc="http://schemas.openxmlformats.org/markup-compatibility/2006" xmlns:a14="http://schemas.microsoft.com/office/drawing/2010/main">
+        <mc:Choice Requires="a14">
           <p:sp>
             <p:nvSpPr>
               <p:cNvPr id="5" name="TextBox 4"/>
@@ -35908,7 +36041,7 @@
             </p:txBody>
           </p:sp>
         </mc:Choice>
-        <mc:Fallback>
+        <mc:Fallback xmlns="">
           <p:sp>
             <p:nvSpPr>
               <p:cNvPr id="5" name="TextBox 4"/>
@@ -35967,7 +36100,7 @@
 </p:sld>
 </file>
 
-<file path=ppt/slides/slide68.xml><?xml version="1.0" encoding="utf-8"?>
+<file path=ppt/slides/slide69.xml><?xml version="1.0" encoding="utf-8"?>
 <p:sld xmlns:a="http://schemas.openxmlformats.org/drawingml/2006/main" xmlns:r="http://schemas.openxmlformats.org/officeDocument/2006/relationships" xmlns:p="http://schemas.openxmlformats.org/presentationml/2006/main" showMasterSp="0">
   <p:cSld>
     <p:spTree>
@@ -36323,312 +36456,6 @@
 </p:sld>
 </file>
 
-<file path=ppt/slides/slide69.xml><?xml version="1.0" encoding="utf-8"?>
-<p:sld xmlns:a="http://schemas.openxmlformats.org/drawingml/2006/main" xmlns:r="http://schemas.openxmlformats.org/officeDocument/2006/relationships" xmlns:p="http://schemas.openxmlformats.org/presentationml/2006/main" showMasterSp="0">
-  <p:cSld>
-    <p:spTree>
-      <p:nvGrpSpPr>
-        <p:cNvPr id="1" name=""/>
-        <p:cNvGrpSpPr/>
-        <p:nvPr/>
-      </p:nvGrpSpPr>
-      <p:grpSpPr>
-        <a:xfrm>
-          <a:off x="0" y="0"/>
-          <a:ext cx="0" cy="0"/>
-          <a:chOff x="0" y="0"/>
-          <a:chExt cx="0" cy="0"/>
-        </a:xfrm>
-      </p:grpSpPr>
-      <p:sp>
-        <p:nvSpPr>
-          <p:cNvPr id="4" name="TextBox 3"/>
-          <p:cNvSpPr txBox="1"/>
-          <p:nvPr/>
-        </p:nvSpPr>
-        <p:spPr>
-          <a:xfrm>
-            <a:off x="1011115" y="668215"/>
-            <a:ext cx="10137964" cy="830997"/>
-          </a:xfrm>
-          <a:prstGeom prst="rect">
-            <a:avLst/>
-          </a:prstGeom>
-          <a:noFill/>
-        </p:spPr>
-        <p:txBody>
-          <a:bodyPr wrap="square" rtlCol="0">
-            <a:spAutoFit/>
-          </a:bodyPr>
-          <a:lstStyle/>
-          <a:p>
-            <a:r>
-              <a:rPr lang="en-US" sz="4800" dirty="0" err="1" smtClean="0">
-                <a:latin typeface="+mj-lt"/>
-              </a:rPr>
-              <a:t>Nullable</a:t>
-            </a:r>
-            <a:r>
-              <a:rPr lang="en-US" sz="4800" dirty="0" smtClean="0">
-                <a:latin typeface="+mj-lt"/>
-              </a:rPr>
-              <a:t> Rules</a:t>
-            </a:r>
-            <a:endParaRPr lang="en-US" sz="4800" dirty="0">
-              <a:latin typeface="+mj-lt"/>
-            </a:endParaRPr>
-          </a:p>
-        </p:txBody>
-      </p:sp>
-      <mc:AlternateContent xmlns:mc="http://schemas.openxmlformats.org/markup-compatibility/2006" xmlns:a14="http://schemas.microsoft.com/office/drawing/2010/main">
-        <mc:Choice Requires="a14">
-          <p:sp>
-            <p:nvSpPr>
-              <p:cNvPr id="5" name="TextBox 4"/>
-              <p:cNvSpPr txBox="1"/>
-              <p:nvPr/>
-            </p:nvSpPr>
-            <p:spPr>
-              <a:xfrm>
-                <a:off x="1011113" y="1529865"/>
-                <a:ext cx="10691359" cy="3108543"/>
-              </a:xfrm>
-              <a:prstGeom prst="rect">
-                <a:avLst/>
-              </a:prstGeom>
-              <a:noFill/>
-            </p:spPr>
-            <p:txBody>
-              <a:bodyPr wrap="square" rtlCol="0">
-                <a:spAutoFit/>
-              </a:bodyPr>
-              <a:lstStyle/>
-              <a:p>
-                <a:r>
-                  <a:rPr lang="en-US" sz="2800" dirty="0" smtClean="0">
-                    <a:latin typeface="+mj-lt"/>
-                  </a:rPr>
-                  <a:t>We need to perform left factoring:</a:t>
-                </a:r>
-                <a:endParaRPr lang="en-US" sz="2800" dirty="0">
-                  <a:latin typeface="+mj-lt"/>
-                </a:endParaRPr>
-              </a:p>
-              <a:p>
-                <a:pPr marL="285750" indent="-285750">
-                  <a:buFont typeface="Arial" panose="020B0604020202020204" pitchFamily="34" charset="0"/>
-                  <a:buChar char="•"/>
-                </a:pPr>
-                <a14:m>
-                  <m:oMath xmlns:m="http://schemas.openxmlformats.org/officeDocument/2006/math">
-                    <m:r>
-                      <a:rPr lang="en-US" sz="2800" i="1" smtClean="0">
-                        <a:latin typeface="Cambria Math" panose="02040503050406030204" pitchFamily="18" charset="0"/>
-                      </a:rPr>
-                      <m:t>𝑆</m:t>
-                    </m:r>
-                    <m:r>
-                      <a:rPr lang="en-US" sz="2800" i="1">
-                        <a:latin typeface="Cambria Math" panose="02040503050406030204" pitchFamily="18" charset="0"/>
-                      </a:rPr>
-                      <m:t>→</m:t>
-                    </m:r>
-                    <m:r>
-                      <a:rPr lang="en-US" sz="2800" i="1">
-                        <a:latin typeface="Cambria Math" panose="02040503050406030204" pitchFamily="18" charset="0"/>
-                      </a:rPr>
-                      <m:t>𝑎𝑏</m:t>
-                    </m:r>
-                  </m:oMath>
-                </a14:m>
-                <a:endParaRPr lang="en-US" sz="2800" i="1" dirty="0">
-                  <a:latin typeface="+mj-lt"/>
-                </a:endParaRPr>
-              </a:p>
-              <a:p>
-                <a:pPr marL="285750" indent="-285750">
-                  <a:buFont typeface="Arial" panose="020B0604020202020204" pitchFamily="34" charset="0"/>
-                  <a:buChar char="•"/>
-                </a:pPr>
-                <a14:m>
-                  <m:oMath xmlns:m="http://schemas.openxmlformats.org/officeDocument/2006/math">
-                    <m:r>
-                      <a:rPr lang="en-US" sz="2800" i="1">
-                        <a:latin typeface="Cambria Math" panose="02040503050406030204" pitchFamily="18" charset="0"/>
-                      </a:rPr>
-                      <m:t>𝑆</m:t>
-                    </m:r>
-                    <m:r>
-                      <a:rPr lang="en-US" sz="2800" i="1">
-                        <a:latin typeface="Cambria Math" panose="02040503050406030204" pitchFamily="18" charset="0"/>
-                      </a:rPr>
-                      <m:t>→</m:t>
-                    </m:r>
-                    <m:r>
-                      <a:rPr lang="en-US" sz="2800" i="1">
-                        <a:latin typeface="Cambria Math" panose="02040503050406030204" pitchFamily="18" charset="0"/>
-                      </a:rPr>
-                      <m:t>𝑎𝑎𝑏</m:t>
-                    </m:r>
-                  </m:oMath>
-                </a14:m>
-                <a:endParaRPr lang="en-US" sz="2800" dirty="0">
-                  <a:latin typeface="+mj-lt"/>
-                </a:endParaRPr>
-              </a:p>
-              <a:p>
-                <a:pPr marL="285750" indent="-285750">
-                  <a:buFont typeface="Arial" panose="020B0604020202020204" pitchFamily="34" charset="0"/>
-                  <a:buChar char="•"/>
-                </a:pPr>
-                <a:endParaRPr lang="en-US" sz="2800" dirty="0">
-                  <a:latin typeface="+mj-lt"/>
-                </a:endParaRPr>
-              </a:p>
-              <a:p>
-                <a:r>
-                  <a:rPr lang="en-US" sz="2800" dirty="0" smtClean="0">
-                    <a:latin typeface="+mj-lt"/>
-                  </a:rPr>
-                  <a:t>After left factoring:</a:t>
-                </a:r>
-              </a:p>
-              <a:p>
-                <a:pPr marL="285750" indent="-285750">
-                  <a:buFont typeface="Arial" panose="020B0604020202020204" pitchFamily="34" charset="0"/>
-                  <a:buChar char="•"/>
-                </a:pPr>
-                <a14:m>
-                  <m:oMath xmlns:m="http://schemas.openxmlformats.org/officeDocument/2006/math">
-                    <m:r>
-                      <a:rPr lang="en-US" sz="2800" i="1">
-                        <a:latin typeface="Cambria Math" panose="02040503050406030204" pitchFamily="18" charset="0"/>
-                      </a:rPr>
-                      <m:t>𝑆</m:t>
-                    </m:r>
-                    <m:r>
-                      <a:rPr lang="en-US" sz="2800" i="1">
-                        <a:latin typeface="Cambria Math" panose="02040503050406030204" pitchFamily="18" charset="0"/>
-                      </a:rPr>
-                      <m:t>→</m:t>
-                    </m:r>
-                    <m:r>
-                      <a:rPr lang="en-US" sz="2800" b="0" i="1" smtClean="0">
-                        <a:latin typeface="Cambria Math" panose="02040503050406030204" pitchFamily="18" charset="0"/>
-                      </a:rPr>
-                      <m:t>𝑎𝑋</m:t>
-                    </m:r>
-                  </m:oMath>
-                </a14:m>
-                <a:endParaRPr lang="en-US" sz="2800" i="1" dirty="0" smtClean="0">
-                  <a:latin typeface="+mj-lt"/>
-                </a:endParaRPr>
-              </a:p>
-              <a:p>
-                <a:pPr marL="285750" indent="-285750">
-                  <a:buFont typeface="Arial" panose="020B0604020202020204" pitchFamily="34" charset="0"/>
-                  <a:buChar char="•"/>
-                </a:pPr>
-                <a14:m>
-                  <m:oMath xmlns:m="http://schemas.openxmlformats.org/officeDocument/2006/math">
-                    <m:r>
-                      <a:rPr lang="en-US" sz="2800" b="0" i="1" smtClean="0">
-                        <a:latin typeface="Cambria Math" panose="02040503050406030204" pitchFamily="18" charset="0"/>
-                      </a:rPr>
-                      <m:t>𝑋</m:t>
-                    </m:r>
-                    <m:r>
-                      <a:rPr lang="en-US" sz="2800" i="1">
-                        <a:latin typeface="Cambria Math" panose="02040503050406030204" pitchFamily="18" charset="0"/>
-                      </a:rPr>
-                      <m:t>→</m:t>
-                    </m:r>
-                    <m:r>
-                      <a:rPr lang="en-US" sz="2800" b="0" i="1" smtClean="0">
-                        <a:latin typeface="Cambria Math" panose="02040503050406030204" pitchFamily="18" charset="0"/>
-                      </a:rPr>
-                      <m:t>𝑏</m:t>
-                    </m:r>
-                    <m:r>
-                      <a:rPr lang="en-US" sz="2800" b="0" i="1" smtClean="0">
-                        <a:latin typeface="Cambria Math" panose="02040503050406030204" pitchFamily="18" charset="0"/>
-                      </a:rPr>
-                      <m:t> | </m:t>
-                    </m:r>
-                    <m:r>
-                      <a:rPr lang="en-US" sz="2800" i="1">
-                        <a:latin typeface="Cambria Math" panose="02040503050406030204" pitchFamily="18" charset="0"/>
-                      </a:rPr>
-                      <m:t>𝑎𝑏</m:t>
-                    </m:r>
-                  </m:oMath>
-                </a14:m>
-                <a:endParaRPr lang="en-US" sz="2800" dirty="0">
-                  <a:latin typeface="+mj-lt"/>
-                </a:endParaRPr>
-              </a:p>
-            </p:txBody>
-          </p:sp>
-        </mc:Choice>
-        <mc:Fallback xmlns="">
-          <p:sp>
-            <p:nvSpPr>
-              <p:cNvPr id="5" name="TextBox 4"/>
-              <p:cNvSpPr txBox="1">
-                <a:spLocks noRot="1" noChangeAspect="1" noMove="1" noResize="1" noEditPoints="1" noAdjustHandles="1" noChangeArrowheads="1" noChangeShapeType="1" noTextEdit="1"/>
-              </p:cNvSpPr>
-              <p:nvPr/>
-            </p:nvSpPr>
-            <p:spPr>
-              <a:xfrm>
-                <a:off x="1011113" y="1529865"/>
-                <a:ext cx="10691359" cy="3108543"/>
-              </a:xfrm>
-              <a:prstGeom prst="rect">
-                <a:avLst/>
-              </a:prstGeom>
-              <a:blipFill>
-                <a:blip r:embed="rId2"/>
-                <a:stretch>
-                  <a:fillRect l="-1197" t="-1961"/>
-                </a:stretch>
-              </a:blipFill>
-            </p:spPr>
-            <p:txBody>
-              <a:bodyPr/>
-              <a:lstStyle/>
-              <a:p>
-                <a:r>
-                  <a:rPr lang="en-US">
-                    <a:noFill/>
-                  </a:rPr>
-                  <a:t> </a:t>
-                </a:r>
-              </a:p>
-            </p:txBody>
-          </p:sp>
-        </mc:Fallback>
-      </mc:AlternateContent>
-    </p:spTree>
-    <p:extLst>
-      <p:ext uri="{BB962C8B-B14F-4D97-AF65-F5344CB8AC3E}">
-        <p14:creationId xmlns:p14="http://schemas.microsoft.com/office/powerpoint/2010/main" val="1376797431"/>
-      </p:ext>
-    </p:extLst>
-  </p:cSld>
-  <p:clrMapOvr>
-    <a:masterClrMapping/>
-  </p:clrMapOvr>
-  <p:timing>
-    <p:tnLst>
-      <p:par>
-        <p:cTn id="1" dur="indefinite" restart="never" nodeType="tmRoot"/>
-      </p:par>
-    </p:tnLst>
-  </p:timing>
-</p:sld>
-</file>
-
 <file path=ppt/slides/slide7.xml><?xml version="1.0" encoding="utf-8"?>
 <p:sld xmlns:a="http://schemas.openxmlformats.org/drawingml/2006/main" xmlns:r="http://schemas.openxmlformats.org/officeDocument/2006/relationships" xmlns:p="http://schemas.openxmlformats.org/presentationml/2006/main" showMasterSp="0">
   <p:cSld>
@@ -36888,10 +36715,16 @@
           <a:lstStyle/>
           <a:p>
             <a:r>
+              <a:rPr lang="en-US" sz="4800" dirty="0" err="1" smtClean="0">
+                <a:latin typeface="+mj-lt"/>
+              </a:rPr>
+              <a:t>Nullable</a:t>
+            </a:r>
+            <a:r>
               <a:rPr lang="en-US" sz="4800" dirty="0" smtClean="0">
                 <a:latin typeface="+mj-lt"/>
               </a:rPr>
-              <a:t>Building an LL(1) Parser</a:t>
+              <a:t> Rules</a:t>
             </a:r>
             <a:endParaRPr lang="en-US" sz="4800" dirty="0">
               <a:latin typeface="+mj-lt"/>
@@ -36899,86 +36732,239 @@
           </a:p>
         </p:txBody>
       </p:sp>
-      <p:sp>
-        <p:nvSpPr>
-          <p:cNvPr id="5" name="TextBox 4"/>
-          <p:cNvSpPr txBox="1"/>
-          <p:nvPr/>
-        </p:nvSpPr>
-        <p:spPr>
-          <a:xfrm>
-            <a:off x="1011113" y="1529865"/>
-            <a:ext cx="10691359" cy="1815882"/>
-          </a:xfrm>
-          <a:prstGeom prst="rect">
-            <a:avLst/>
-          </a:prstGeom>
-          <a:noFill/>
-        </p:spPr>
-        <p:txBody>
-          <a:bodyPr wrap="square" rtlCol="0">
-            <a:spAutoFit/>
-          </a:bodyPr>
-          <a:lstStyle/>
-          <a:p>
-            <a:r>
-              <a:rPr lang="en-US" sz="2800" dirty="0" smtClean="0">
-                <a:latin typeface="+mj-lt"/>
-              </a:rPr>
-              <a:t>Some of the common issues:</a:t>
-            </a:r>
-            <a:endParaRPr lang="en-US" sz="2800" dirty="0">
-              <a:latin typeface="+mj-lt"/>
-            </a:endParaRPr>
-          </a:p>
-          <a:p>
-            <a:pPr marL="285750" indent="-285750">
-              <a:buFont typeface="Arial" panose="020B0604020202020204" pitchFamily="34" charset="0"/>
-              <a:buChar char="•"/>
-            </a:pPr>
-            <a:r>
-              <a:rPr lang="en-US" sz="2800" dirty="0" smtClean="0">
-                <a:latin typeface="+mj-lt"/>
-              </a:rPr>
-              <a:t>Left recursion</a:t>
-            </a:r>
-          </a:p>
-          <a:p>
-            <a:pPr marL="285750" indent="-285750">
-              <a:buFont typeface="Arial" panose="020B0604020202020204" pitchFamily="34" charset="0"/>
-              <a:buChar char="•"/>
-            </a:pPr>
-            <a:r>
-              <a:rPr lang="en-US" sz="2800" dirty="0" smtClean="0">
-                <a:latin typeface="+mj-lt"/>
-              </a:rPr>
-              <a:t>Left factoring</a:t>
-            </a:r>
-          </a:p>
-          <a:p>
-            <a:pPr marL="285750" indent="-285750">
-              <a:buFont typeface="Arial" panose="020B0604020202020204" pitchFamily="34" charset="0"/>
-              <a:buChar char="•"/>
-            </a:pPr>
-            <a:r>
-              <a:rPr lang="en-US" sz="2800" dirty="0" err="1" smtClean="0">
-                <a:latin typeface="+mj-lt"/>
-              </a:rPr>
-              <a:t>Nullable</a:t>
-            </a:r>
-            <a:r>
-              <a:rPr lang="en-US" sz="2800" dirty="0" smtClean="0">
-                <a:latin typeface="+mj-lt"/>
-              </a:rPr>
-              <a:t> rules</a:t>
-            </a:r>
-          </a:p>
-        </p:txBody>
-      </p:sp>
+      <mc:AlternateContent xmlns:mc="http://schemas.openxmlformats.org/markup-compatibility/2006" xmlns:a14="http://schemas.microsoft.com/office/drawing/2010/main">
+        <mc:Choice Requires="a14">
+          <p:sp>
+            <p:nvSpPr>
+              <p:cNvPr id="5" name="TextBox 4"/>
+              <p:cNvSpPr txBox="1"/>
+              <p:nvPr/>
+            </p:nvSpPr>
+            <p:spPr>
+              <a:xfrm>
+                <a:off x="1011113" y="1529865"/>
+                <a:ext cx="10691359" cy="3108543"/>
+              </a:xfrm>
+              <a:prstGeom prst="rect">
+                <a:avLst/>
+              </a:prstGeom>
+              <a:noFill/>
+            </p:spPr>
+            <p:txBody>
+              <a:bodyPr wrap="square" rtlCol="0">
+                <a:spAutoFit/>
+              </a:bodyPr>
+              <a:lstStyle/>
+              <a:p>
+                <a:r>
+                  <a:rPr lang="en-US" sz="2800" dirty="0" smtClean="0">
+                    <a:latin typeface="+mj-lt"/>
+                  </a:rPr>
+                  <a:t>We need to perform left factoring:</a:t>
+                </a:r>
+                <a:endParaRPr lang="en-US" sz="2800" dirty="0">
+                  <a:latin typeface="+mj-lt"/>
+                </a:endParaRPr>
+              </a:p>
+              <a:p>
+                <a:pPr marL="285750" indent="-285750">
+                  <a:buFont typeface="Arial" panose="020B0604020202020204" pitchFamily="34" charset="0"/>
+                  <a:buChar char="•"/>
+                </a:pPr>
+                <a14:m>
+                  <m:oMath xmlns:m="http://schemas.openxmlformats.org/officeDocument/2006/math">
+                    <m:r>
+                      <a:rPr lang="en-US" sz="2800" i="1" smtClean="0">
+                        <a:latin typeface="Cambria Math" panose="02040503050406030204" pitchFamily="18" charset="0"/>
+                      </a:rPr>
+                      <m:t>𝑆</m:t>
+                    </m:r>
+                    <m:r>
+                      <a:rPr lang="en-US" sz="2800" i="1">
+                        <a:latin typeface="Cambria Math" panose="02040503050406030204" pitchFamily="18" charset="0"/>
+                      </a:rPr>
+                      <m:t>→</m:t>
+                    </m:r>
+                    <m:r>
+                      <a:rPr lang="en-US" sz="2800" i="1">
+                        <a:latin typeface="Cambria Math" panose="02040503050406030204" pitchFamily="18" charset="0"/>
+                      </a:rPr>
+                      <m:t>𝑎𝑏</m:t>
+                    </m:r>
+                  </m:oMath>
+                </a14:m>
+                <a:endParaRPr lang="en-US" sz="2800" i="1" dirty="0">
+                  <a:latin typeface="+mj-lt"/>
+                </a:endParaRPr>
+              </a:p>
+              <a:p>
+                <a:pPr marL="285750" indent="-285750">
+                  <a:buFont typeface="Arial" panose="020B0604020202020204" pitchFamily="34" charset="0"/>
+                  <a:buChar char="•"/>
+                </a:pPr>
+                <a14:m>
+                  <m:oMath xmlns:m="http://schemas.openxmlformats.org/officeDocument/2006/math">
+                    <m:r>
+                      <a:rPr lang="en-US" sz="2800" i="1">
+                        <a:latin typeface="Cambria Math" panose="02040503050406030204" pitchFamily="18" charset="0"/>
+                      </a:rPr>
+                      <m:t>𝑆</m:t>
+                    </m:r>
+                    <m:r>
+                      <a:rPr lang="en-US" sz="2800" i="1">
+                        <a:latin typeface="Cambria Math" panose="02040503050406030204" pitchFamily="18" charset="0"/>
+                      </a:rPr>
+                      <m:t>→</m:t>
+                    </m:r>
+                    <m:r>
+                      <a:rPr lang="en-US" sz="2800" i="1">
+                        <a:latin typeface="Cambria Math" panose="02040503050406030204" pitchFamily="18" charset="0"/>
+                      </a:rPr>
+                      <m:t>𝑎𝑎𝑏</m:t>
+                    </m:r>
+                  </m:oMath>
+                </a14:m>
+                <a:endParaRPr lang="en-US" sz="2800" dirty="0">
+                  <a:latin typeface="+mj-lt"/>
+                </a:endParaRPr>
+              </a:p>
+              <a:p>
+                <a:pPr marL="285750" indent="-285750">
+                  <a:buFont typeface="Arial" panose="020B0604020202020204" pitchFamily="34" charset="0"/>
+                  <a:buChar char="•"/>
+                </a:pPr>
+                <a:endParaRPr lang="en-US" sz="2800" dirty="0">
+                  <a:latin typeface="+mj-lt"/>
+                </a:endParaRPr>
+              </a:p>
+              <a:p>
+                <a:r>
+                  <a:rPr lang="en-US" sz="2800" dirty="0" smtClean="0">
+                    <a:latin typeface="+mj-lt"/>
+                  </a:rPr>
+                  <a:t>After left factoring:</a:t>
+                </a:r>
+              </a:p>
+              <a:p>
+                <a:pPr marL="285750" indent="-285750">
+                  <a:buFont typeface="Arial" panose="020B0604020202020204" pitchFamily="34" charset="0"/>
+                  <a:buChar char="•"/>
+                </a:pPr>
+                <a14:m>
+                  <m:oMath xmlns:m="http://schemas.openxmlformats.org/officeDocument/2006/math">
+                    <m:r>
+                      <a:rPr lang="en-US" sz="2800" i="1">
+                        <a:latin typeface="Cambria Math" panose="02040503050406030204" pitchFamily="18" charset="0"/>
+                      </a:rPr>
+                      <m:t>𝑆</m:t>
+                    </m:r>
+                    <m:r>
+                      <a:rPr lang="en-US" sz="2800" i="1">
+                        <a:latin typeface="Cambria Math" panose="02040503050406030204" pitchFamily="18" charset="0"/>
+                      </a:rPr>
+                      <m:t>→</m:t>
+                    </m:r>
+                    <m:r>
+                      <a:rPr lang="en-US" sz="2800" b="0" i="1" smtClean="0">
+                        <a:latin typeface="Cambria Math" panose="02040503050406030204" pitchFamily="18" charset="0"/>
+                      </a:rPr>
+                      <m:t>𝑎𝑋</m:t>
+                    </m:r>
+                  </m:oMath>
+                </a14:m>
+                <a:endParaRPr lang="en-US" sz="2800" i="1" dirty="0" smtClean="0">
+                  <a:latin typeface="+mj-lt"/>
+                </a:endParaRPr>
+              </a:p>
+              <a:p>
+                <a:pPr marL="285750" indent="-285750">
+                  <a:buFont typeface="Arial" panose="020B0604020202020204" pitchFamily="34" charset="0"/>
+                  <a:buChar char="•"/>
+                </a:pPr>
+                <a14:m>
+                  <m:oMath xmlns:m="http://schemas.openxmlformats.org/officeDocument/2006/math">
+                    <m:r>
+                      <a:rPr lang="en-US" sz="2800" b="0" i="1" smtClean="0">
+                        <a:latin typeface="Cambria Math" panose="02040503050406030204" pitchFamily="18" charset="0"/>
+                      </a:rPr>
+                      <m:t>𝑋</m:t>
+                    </m:r>
+                    <m:r>
+                      <a:rPr lang="en-US" sz="2800" i="1">
+                        <a:latin typeface="Cambria Math" panose="02040503050406030204" pitchFamily="18" charset="0"/>
+                      </a:rPr>
+                      <m:t>→</m:t>
+                    </m:r>
+                    <m:r>
+                      <a:rPr lang="en-US" sz="2800" b="0" i="1" smtClean="0">
+                        <a:latin typeface="Cambria Math" panose="02040503050406030204" pitchFamily="18" charset="0"/>
+                      </a:rPr>
+                      <m:t>𝑏</m:t>
+                    </m:r>
+                    <m:r>
+                      <a:rPr lang="en-US" sz="2800" b="0" i="1" smtClean="0">
+                        <a:latin typeface="Cambria Math" panose="02040503050406030204" pitchFamily="18" charset="0"/>
+                      </a:rPr>
+                      <m:t> | </m:t>
+                    </m:r>
+                    <m:r>
+                      <a:rPr lang="en-US" sz="2800" i="1">
+                        <a:latin typeface="Cambria Math" panose="02040503050406030204" pitchFamily="18" charset="0"/>
+                      </a:rPr>
+                      <m:t>𝑎𝑏</m:t>
+                    </m:r>
+                  </m:oMath>
+                </a14:m>
+                <a:endParaRPr lang="en-US" sz="2800" dirty="0">
+                  <a:latin typeface="+mj-lt"/>
+                </a:endParaRPr>
+              </a:p>
+            </p:txBody>
+          </p:sp>
+        </mc:Choice>
+        <mc:Fallback xmlns="">
+          <p:sp>
+            <p:nvSpPr>
+              <p:cNvPr id="5" name="TextBox 4"/>
+              <p:cNvSpPr txBox="1">
+                <a:spLocks noRot="1" noChangeAspect="1" noMove="1" noResize="1" noEditPoints="1" noAdjustHandles="1" noChangeArrowheads="1" noChangeShapeType="1" noTextEdit="1"/>
+              </p:cNvSpPr>
+              <p:nvPr/>
+            </p:nvSpPr>
+            <p:spPr>
+              <a:xfrm>
+                <a:off x="1011113" y="1529865"/>
+                <a:ext cx="10691359" cy="3108543"/>
+              </a:xfrm>
+              <a:prstGeom prst="rect">
+                <a:avLst/>
+              </a:prstGeom>
+              <a:blipFill>
+                <a:blip r:embed="rId2"/>
+                <a:stretch>
+                  <a:fillRect l="-1197" t="-1961"/>
+                </a:stretch>
+              </a:blipFill>
+            </p:spPr>
+            <p:txBody>
+              <a:bodyPr/>
+              <a:lstStyle/>
+              <a:p>
+                <a:r>
+                  <a:rPr lang="en-US">
+                    <a:noFill/>
+                  </a:rPr>
+                  <a:t> </a:t>
+                </a:r>
+              </a:p>
+            </p:txBody>
+          </p:sp>
+        </mc:Fallback>
+      </mc:AlternateContent>
     </p:spTree>
     <p:extLst>
       <p:ext uri="{BB962C8B-B14F-4D97-AF65-F5344CB8AC3E}">
-        <p14:creationId xmlns:p14="http://schemas.microsoft.com/office/powerpoint/2010/main" val="4056348278"/>
+        <p14:creationId xmlns:p14="http://schemas.microsoft.com/office/powerpoint/2010/main" val="1376797431"/>
       </p:ext>
     </p:extLst>
   </p:cSld>

--- a/slides/top_down_parsing.pptx
+++ b/slides/top_down_parsing.pptx
@@ -15175,7 +15175,7 @@
         <p:spPr>
           <a:xfrm>
             <a:off x="1011115" y="3170069"/>
-            <a:ext cx="3710514" cy="1923604"/>
+            <a:ext cx="3710514" cy="2446824"/>
           </a:xfrm>
           <a:prstGeom prst="rect">
             <a:avLst/>
@@ -15239,8 +15239,26 @@
                 <a:latin typeface="Courier New" panose="02070309020205020404" pitchFamily="49" charset="0"/>
                 <a:cs typeface="Courier New" panose="02070309020205020404" pitchFamily="49" charset="0"/>
               </a:rPr>
-              <a:t>  case L_PAREN:</a:t>
-            </a:r>
+              <a:t>  case </a:t>
+            </a:r>
+            <a:r>
+              <a:rPr lang="en-US" sz="1700" dirty="0" smtClean="0">
+                <a:latin typeface="Courier New" panose="02070309020205020404" pitchFamily="49" charset="0"/>
+                <a:cs typeface="Courier New" panose="02070309020205020404" pitchFamily="49" charset="0"/>
+              </a:rPr>
+              <a:t>&lt;...&gt;</a:t>
+            </a:r>
+            <a:r>
+              <a:rPr lang="en-US" sz="1700" dirty="0" smtClean="0">
+                <a:latin typeface="Courier New" panose="02070309020205020404" pitchFamily="49" charset="0"/>
+                <a:cs typeface="Courier New" panose="02070309020205020404" pitchFamily="49" charset="0"/>
+              </a:rPr>
+              <a:t>:</a:t>
+            </a:r>
+            <a:endParaRPr lang="en-US" sz="1700" dirty="0" smtClean="0">
+              <a:latin typeface="Courier New" panose="02070309020205020404" pitchFamily="49" charset="0"/>
+              <a:cs typeface="Courier New" panose="02070309020205020404" pitchFamily="49" charset="0"/>
+            </a:endParaRPr>
           </a:p>
           <a:p>
             <a:r>
@@ -15274,7 +15292,67 @@
               </a:rPr>
               <a:t>();</a:t>
             </a:r>
-            <a:endParaRPr lang="en-US" sz="1700" b="1" dirty="0" smtClean="0">
+          </a:p>
+          <a:p>
+            <a:r>
+              <a:rPr lang="en-US" sz="1700" dirty="0">
+                <a:latin typeface="Courier New" panose="02070309020205020404" pitchFamily="49" charset="0"/>
+                <a:cs typeface="Courier New" panose="02070309020205020404" pitchFamily="49" charset="0"/>
+              </a:rPr>
+              <a:t> </a:t>
+            </a:r>
+            <a:r>
+              <a:rPr lang="en-US" sz="1700" dirty="0" smtClean="0">
+                <a:latin typeface="Courier New" panose="02070309020205020404" pitchFamily="49" charset="0"/>
+                <a:cs typeface="Courier New" panose="02070309020205020404" pitchFamily="49" charset="0"/>
+              </a:rPr>
+              <a:t>   </a:t>
+            </a:r>
+            <a:r>
+              <a:rPr lang="en-US" sz="1700" dirty="0" err="1" smtClean="0">
+                <a:latin typeface="Courier New" panose="02070309020205020404" pitchFamily="49" charset="0"/>
+                <a:cs typeface="Courier New" panose="02070309020205020404" pitchFamily="49" charset="0"/>
+              </a:rPr>
+              <a:t>parse_token</a:t>
+            </a:r>
+            <a:r>
+              <a:rPr lang="en-US" sz="1700" dirty="0" smtClean="0">
+                <a:latin typeface="Courier New" panose="02070309020205020404" pitchFamily="49" charset="0"/>
+                <a:cs typeface="Courier New" panose="02070309020205020404" pitchFamily="49" charset="0"/>
+              </a:rPr>
+              <a:t>(PLUS);</a:t>
+            </a:r>
+          </a:p>
+          <a:p>
+            <a:r>
+              <a:rPr lang="en-US" sz="1700" dirty="0">
+                <a:latin typeface="Courier New" panose="02070309020205020404" pitchFamily="49" charset="0"/>
+                <a:cs typeface="Courier New" panose="02070309020205020404" pitchFamily="49" charset="0"/>
+              </a:rPr>
+              <a:t> </a:t>
+            </a:r>
+            <a:r>
+              <a:rPr lang="en-US" sz="1700" dirty="0" smtClean="0">
+                <a:latin typeface="Courier New" panose="02070309020205020404" pitchFamily="49" charset="0"/>
+                <a:cs typeface="Courier New" panose="02070309020205020404" pitchFamily="49" charset="0"/>
+              </a:rPr>
+              <a:t>   </a:t>
+            </a:r>
+            <a:r>
+              <a:rPr lang="en-US" sz="1700" dirty="0" err="1" smtClean="0">
+                <a:latin typeface="Courier New" panose="02070309020205020404" pitchFamily="49" charset="0"/>
+                <a:cs typeface="Courier New" panose="02070309020205020404" pitchFamily="49" charset="0"/>
+              </a:rPr>
+              <a:t>parse_S</a:t>
+            </a:r>
+            <a:r>
+              <a:rPr lang="en-US" sz="1700" dirty="0" smtClean="0">
+                <a:latin typeface="Courier New" panose="02070309020205020404" pitchFamily="49" charset="0"/>
+                <a:cs typeface="Courier New" panose="02070309020205020404" pitchFamily="49" charset="0"/>
+              </a:rPr>
+              <a:t>();</a:t>
+            </a:r>
+            <a:endParaRPr lang="en-US" sz="1700" dirty="0" smtClean="0">
               <a:latin typeface="Courier New" panose="02070309020205020404" pitchFamily="49" charset="0"/>
               <a:cs typeface="Courier New" panose="02070309020205020404" pitchFamily="49" charset="0"/>
             </a:endParaRPr>
